--- a/resources/Diagrams.pptx
+++ b/resources/Diagrams.pptx
@@ -244,7 +244,7 @@
           <a:p>
             <a:fld id="{38CE1A25-D0DA-4046-8538-9FCF1196F4BF}" type="datetimeFigureOut">
               <a:rPr lang="ko-KR" altLang="en-US" smtClean="0"/>
-              <a:t>2021-07-31</a:t>
+              <a:t>2021-08-01</a:t>
             </a:fld>
             <a:endParaRPr lang="ko-KR" altLang="en-US"/>
           </a:p>
@@ -414,7 +414,7 @@
           <a:p>
             <a:fld id="{38CE1A25-D0DA-4046-8538-9FCF1196F4BF}" type="datetimeFigureOut">
               <a:rPr lang="ko-KR" altLang="en-US" smtClean="0"/>
-              <a:t>2021-07-31</a:t>
+              <a:t>2021-08-01</a:t>
             </a:fld>
             <a:endParaRPr lang="ko-KR" altLang="en-US"/>
           </a:p>
@@ -594,7 +594,7 @@
           <a:p>
             <a:fld id="{38CE1A25-D0DA-4046-8538-9FCF1196F4BF}" type="datetimeFigureOut">
               <a:rPr lang="ko-KR" altLang="en-US" smtClean="0"/>
-              <a:t>2021-07-31</a:t>
+              <a:t>2021-08-01</a:t>
             </a:fld>
             <a:endParaRPr lang="ko-KR" altLang="en-US"/>
           </a:p>
@@ -764,7 +764,7 @@
           <a:p>
             <a:fld id="{38CE1A25-D0DA-4046-8538-9FCF1196F4BF}" type="datetimeFigureOut">
               <a:rPr lang="ko-KR" altLang="en-US" smtClean="0"/>
-              <a:t>2021-07-31</a:t>
+              <a:t>2021-08-01</a:t>
             </a:fld>
             <a:endParaRPr lang="ko-KR" altLang="en-US"/>
           </a:p>
@@ -1010,7 +1010,7 @@
           <a:p>
             <a:fld id="{38CE1A25-D0DA-4046-8538-9FCF1196F4BF}" type="datetimeFigureOut">
               <a:rPr lang="ko-KR" altLang="en-US" smtClean="0"/>
-              <a:t>2021-07-31</a:t>
+              <a:t>2021-08-01</a:t>
             </a:fld>
             <a:endParaRPr lang="ko-KR" altLang="en-US"/>
           </a:p>
@@ -1242,7 +1242,7 @@
           <a:p>
             <a:fld id="{38CE1A25-D0DA-4046-8538-9FCF1196F4BF}" type="datetimeFigureOut">
               <a:rPr lang="ko-KR" altLang="en-US" smtClean="0"/>
-              <a:t>2021-07-31</a:t>
+              <a:t>2021-08-01</a:t>
             </a:fld>
             <a:endParaRPr lang="ko-KR" altLang="en-US"/>
           </a:p>
@@ -1609,7 +1609,7 @@
           <a:p>
             <a:fld id="{38CE1A25-D0DA-4046-8538-9FCF1196F4BF}" type="datetimeFigureOut">
               <a:rPr lang="ko-KR" altLang="en-US" smtClean="0"/>
-              <a:t>2021-07-31</a:t>
+              <a:t>2021-08-01</a:t>
             </a:fld>
             <a:endParaRPr lang="ko-KR" altLang="en-US"/>
           </a:p>
@@ -1727,7 +1727,7 @@
           <a:p>
             <a:fld id="{38CE1A25-D0DA-4046-8538-9FCF1196F4BF}" type="datetimeFigureOut">
               <a:rPr lang="ko-KR" altLang="en-US" smtClean="0"/>
-              <a:t>2021-07-31</a:t>
+              <a:t>2021-08-01</a:t>
             </a:fld>
             <a:endParaRPr lang="ko-KR" altLang="en-US"/>
           </a:p>
@@ -1822,7 +1822,7 @@
           <a:p>
             <a:fld id="{38CE1A25-D0DA-4046-8538-9FCF1196F4BF}" type="datetimeFigureOut">
               <a:rPr lang="ko-KR" altLang="en-US" smtClean="0"/>
-              <a:t>2021-07-31</a:t>
+              <a:t>2021-08-01</a:t>
             </a:fld>
             <a:endParaRPr lang="ko-KR" altLang="en-US"/>
           </a:p>
@@ -2099,7 +2099,7 @@
           <a:p>
             <a:fld id="{38CE1A25-D0DA-4046-8538-9FCF1196F4BF}" type="datetimeFigureOut">
               <a:rPr lang="ko-KR" altLang="en-US" smtClean="0"/>
-              <a:t>2021-07-31</a:t>
+              <a:t>2021-08-01</a:t>
             </a:fld>
             <a:endParaRPr lang="ko-KR" altLang="en-US"/>
           </a:p>
@@ -2352,7 +2352,7 @@
           <a:p>
             <a:fld id="{38CE1A25-D0DA-4046-8538-9FCF1196F4BF}" type="datetimeFigureOut">
               <a:rPr lang="ko-KR" altLang="en-US" smtClean="0"/>
-              <a:t>2021-07-31</a:t>
+              <a:t>2021-08-01</a:t>
             </a:fld>
             <a:endParaRPr lang="ko-KR" altLang="en-US"/>
           </a:p>
@@ -2565,7 +2565,7 @@
           <a:p>
             <a:fld id="{38CE1A25-D0DA-4046-8538-9FCF1196F4BF}" type="datetimeFigureOut">
               <a:rPr lang="ko-KR" altLang="en-US" smtClean="0"/>
-              <a:t>2021-07-31</a:t>
+              <a:t>2021-08-01</a:t>
             </a:fld>
             <a:endParaRPr lang="ko-KR" altLang="en-US"/>
           </a:p>
@@ -5280,6 +5280,200 @@
           </a:p>
         </p:txBody>
       </p:sp>
+      <p:cxnSp>
+        <p:nvCxnSpPr>
+          <p:cNvPr id="50" name="직선 연결선 49"/>
+          <p:cNvCxnSpPr/>
+          <p:nvPr/>
+        </p:nvCxnSpPr>
+        <p:spPr>
+          <a:xfrm>
+            <a:off x="1204136" y="759036"/>
+            <a:ext cx="7650449" cy="0"/>
+          </a:xfrm>
+          <a:prstGeom prst="line">
+            <a:avLst/>
+          </a:prstGeom>
+          <a:ln w="28575">
+            <a:solidFill>
+              <a:schemeClr val="tx1"/>
+            </a:solidFill>
+            <a:headEnd type="none" w="med" len="med"/>
+            <a:tailEnd type="none" w="med" len="med"/>
+          </a:ln>
+        </p:spPr>
+        <p:style>
+          <a:lnRef idx="1">
+            <a:schemeClr val="accent1"/>
+          </a:lnRef>
+          <a:fillRef idx="0">
+            <a:schemeClr val="accent1"/>
+          </a:fillRef>
+          <a:effectRef idx="0">
+            <a:schemeClr val="accent1"/>
+          </a:effectRef>
+          <a:fontRef idx="minor">
+            <a:schemeClr val="tx1"/>
+          </a:fontRef>
+        </p:style>
+      </p:cxnSp>
+      <p:cxnSp>
+        <p:nvCxnSpPr>
+          <p:cNvPr id="18" name="직선 연결선 17"/>
+          <p:cNvCxnSpPr/>
+          <p:nvPr/>
+        </p:nvCxnSpPr>
+        <p:spPr>
+          <a:xfrm>
+            <a:off x="1204136" y="749450"/>
+            <a:ext cx="0" cy="796532"/>
+          </a:xfrm>
+          <a:prstGeom prst="line">
+            <a:avLst/>
+          </a:prstGeom>
+          <a:ln w="28575">
+            <a:solidFill>
+              <a:schemeClr val="tx1"/>
+            </a:solidFill>
+          </a:ln>
+        </p:spPr>
+        <p:style>
+          <a:lnRef idx="1">
+            <a:schemeClr val="accent1"/>
+          </a:lnRef>
+          <a:fillRef idx="0">
+            <a:schemeClr val="accent1"/>
+          </a:fillRef>
+          <a:effectRef idx="0">
+            <a:schemeClr val="accent1"/>
+          </a:effectRef>
+          <a:fontRef idx="minor">
+            <a:schemeClr val="tx1"/>
+          </a:fontRef>
+        </p:style>
+      </p:cxnSp>
+      <p:sp>
+        <p:nvSpPr>
+          <p:cNvPr id="20" name="타원 19"/>
+          <p:cNvSpPr/>
+          <p:nvPr/>
+        </p:nvSpPr>
+        <p:spPr>
+          <a:xfrm>
+            <a:off x="1181814" y="1490458"/>
+            <a:ext cx="57706" cy="65110"/>
+          </a:xfrm>
+          <a:prstGeom prst="ellipse">
+            <a:avLst/>
+          </a:prstGeom>
+          <a:solidFill>
+            <a:schemeClr val="tx1"/>
+          </a:solidFill>
+          <a:ln>
+            <a:solidFill>
+              <a:schemeClr val="tx1"/>
+            </a:solidFill>
+          </a:ln>
+        </p:spPr>
+        <p:style>
+          <a:lnRef idx="2">
+            <a:schemeClr val="accent1">
+              <a:shade val="50000"/>
+            </a:schemeClr>
+          </a:lnRef>
+          <a:fillRef idx="1">
+            <a:schemeClr val="accent1"/>
+          </a:fillRef>
+          <a:effectRef idx="0">
+            <a:schemeClr val="accent1"/>
+          </a:effectRef>
+          <a:fontRef idx="minor">
+            <a:schemeClr val="lt1"/>
+          </a:fontRef>
+        </p:style>
+        <p:txBody>
+          <a:bodyPr rtlCol="0" anchor="ctr"/>
+          <a:lstStyle/>
+          <a:p>
+            <a:pPr algn="ctr"/>
+            <a:endParaRPr lang="ko-KR" altLang="en-US"/>
+          </a:p>
+        </p:txBody>
+      </p:sp>
+      <p:cxnSp>
+        <p:nvCxnSpPr>
+          <p:cNvPr id="59" name="직선 연결선 58"/>
+          <p:cNvCxnSpPr/>
+          <p:nvPr/>
+        </p:nvCxnSpPr>
+        <p:spPr>
+          <a:xfrm>
+            <a:off x="8854585" y="759036"/>
+            <a:ext cx="0" cy="770791"/>
+          </a:xfrm>
+          <a:prstGeom prst="line">
+            <a:avLst/>
+          </a:prstGeom>
+          <a:ln w="28575">
+            <a:solidFill>
+              <a:schemeClr val="tx1"/>
+            </a:solidFill>
+            <a:headEnd type="none" w="med" len="med"/>
+            <a:tailEnd type="none" w="med" len="med"/>
+          </a:ln>
+        </p:spPr>
+        <p:style>
+          <a:lnRef idx="1">
+            <a:schemeClr val="accent1"/>
+          </a:lnRef>
+          <a:fillRef idx="0">
+            <a:schemeClr val="accent1"/>
+          </a:fillRef>
+          <a:effectRef idx="0">
+            <a:schemeClr val="accent1"/>
+          </a:effectRef>
+          <a:fontRef idx="minor">
+            <a:schemeClr val="tx1"/>
+          </a:fontRef>
+        </p:style>
+      </p:cxnSp>
+      <p:cxnSp>
+        <p:nvCxnSpPr>
+          <p:cNvPr id="61" name="직선 연결선 60"/>
+          <p:cNvCxnSpPr/>
+          <p:nvPr/>
+        </p:nvCxnSpPr>
+        <p:spPr>
+          <a:xfrm>
+            <a:off x="8845431" y="1529827"/>
+            <a:ext cx="143237" cy="0"/>
+          </a:xfrm>
+          <a:prstGeom prst="line">
+            <a:avLst/>
+          </a:prstGeom>
+          <a:ln w="28575">
+            <a:solidFill>
+              <a:schemeClr val="tx1"/>
+            </a:solidFill>
+            <a:headEnd type="none" w="med" len="med"/>
+            <a:tailEnd type="arrow" w="med" len="med"/>
+          </a:ln>
+        </p:spPr>
+        <p:style>
+          <a:lnRef idx="1">
+            <a:schemeClr val="accent1"/>
+          </a:lnRef>
+          <a:fillRef idx="0">
+            <a:schemeClr val="accent1"/>
+          </a:fillRef>
+          <a:effectRef idx="0">
+            <a:schemeClr val="accent1"/>
+          </a:effectRef>
+          <a:fontRef idx="minor">
+            <a:schemeClr val="tx1"/>
+          </a:fontRef>
+        </p:style>
+      </p:cxnSp>
     </p:spTree>
     <p:extLst>
       <p:ext uri="{BB962C8B-B14F-4D97-AF65-F5344CB8AC3E}">

--- a/resources/Diagrams.pptx
+++ b/resources/Diagrams.pptx
@@ -2972,25 +2972,30 @@
       </p:grpSpPr>
       <p:sp>
         <p:nvSpPr>
-          <p:cNvPr id="146" name="모서리가 둥근 직사각형 145"/>
+          <p:cNvPr id="2" name="L 도형 1"/>
           <p:cNvSpPr/>
           <p:nvPr/>
         </p:nvSpPr>
         <p:spPr>
-          <a:xfrm>
-            <a:off x="246184" y="96714"/>
-            <a:ext cx="11667392" cy="6664569"/>
-          </a:xfrm>
-          <a:prstGeom prst="roundRect">
+          <a:xfrm flipV="1">
+            <a:off x="1401426" y="194733"/>
+            <a:ext cx="9710835" cy="6444943"/>
+          </a:xfrm>
+          <a:prstGeom prst="corner">
             <a:avLst>
-              <a:gd name="adj" fmla="val 5164"/>
+              <a:gd name="adj1" fmla="val 67250"/>
+              <a:gd name="adj2" fmla="val 63077"/>
             </a:avLst>
           </a:prstGeom>
           <a:solidFill>
-            <a:schemeClr val="bg1"/>
+            <a:schemeClr val="bg1">
+              <a:lumMod val="85000"/>
+            </a:schemeClr>
           </a:solidFill>
           <a:ln w="28575">
-            <a:noFill/>
+            <a:solidFill>
+              <a:schemeClr val="tx1"/>
+            </a:solidFill>
           </a:ln>
         </p:spPr>
         <p:style>
@@ -3010,87 +3015,11 @@
           </a:fontRef>
         </p:style>
         <p:txBody>
-          <a:bodyPr rtlCol="0" anchor="ctr"/>
-          <a:lstStyle/>
-          <a:p>
-            <a:pPr algn="ctr"/>
-            <a:r>
-              <a:rPr lang="en-US" altLang="ko-KR" dirty="0" smtClean="0">
-                <a:ln>
-                  <a:solidFill>
-                    <a:sysClr val="windowText" lastClr="000000"/>
-                  </a:solidFill>
-                </a:ln>
-              </a:rPr>
-              <a:t>T</a:t>
-            </a:r>
-            <a:endParaRPr lang="ko-KR" altLang="en-US" dirty="0">
-              <a:ln>
-                <a:solidFill>
-                  <a:sysClr val="windowText" lastClr="000000"/>
-                </a:solidFill>
-              </a:ln>
-            </a:endParaRPr>
-          </a:p>
-        </p:txBody>
-      </p:sp>
-      <p:sp>
-        <p:nvSpPr>
-          <p:cNvPr id="4" name="직사각형 3"/>
-          <p:cNvSpPr/>
-          <p:nvPr/>
-        </p:nvSpPr>
-        <p:spPr>
-          <a:xfrm>
-            <a:off x="1582614" y="290144"/>
-            <a:ext cx="9083187" cy="3793149"/>
-          </a:xfrm>
-          <a:prstGeom prst="rect">
-            <a:avLst/>
-          </a:prstGeom>
-          <a:noFill/>
-          <a:ln w="28575">
-            <a:solidFill>
-              <a:schemeClr val="tx1"/>
-            </a:solidFill>
-          </a:ln>
-        </p:spPr>
-        <p:style>
-          <a:lnRef idx="2">
-            <a:schemeClr val="accent1">
-              <a:shade val="50000"/>
-            </a:schemeClr>
-          </a:lnRef>
-          <a:fillRef idx="1">
-            <a:schemeClr val="accent1"/>
-          </a:fillRef>
-          <a:effectRef idx="0">
-            <a:schemeClr val="accent1"/>
-          </a:effectRef>
-          <a:fontRef idx="minor">
-            <a:schemeClr val="lt1"/>
-          </a:fontRef>
-        </p:style>
-        <p:txBody>
           <a:bodyPr rtlCol="0" anchor="t"/>
           <a:lstStyle/>
           <a:p>
             <a:pPr algn="ctr"/>
-            <a:r>
-              <a:rPr lang="en-US" altLang="ko-KR" sz="2400" dirty="0" err="1" smtClean="0">
-                <a:solidFill>
-                  <a:schemeClr val="tx1"/>
-                </a:solidFill>
-                <a:latin typeface="Consolas" panose="020B0609020204030204" pitchFamily="49" charset="0"/>
-              </a:rPr>
-              <a:t>PikaRISC</a:t>
-            </a:r>
-            <a:endParaRPr lang="ko-KR" altLang="en-US" sz="2400" dirty="0">
-              <a:solidFill>
-                <a:schemeClr val="tx1"/>
-              </a:solidFill>
-              <a:latin typeface="Consolas" panose="020B0609020204030204" pitchFamily="49" charset="0"/>
-            </a:endParaRPr>
+            <a:endParaRPr lang="ko-KR" altLang="en-US" dirty="0"/>
           </a:p>
         </p:txBody>
       </p:sp>
@@ -3102,7 +3031,7 @@
         </p:nvSpPr>
         <p:spPr>
           <a:xfrm>
-            <a:off x="1878620" y="1393585"/>
+            <a:off x="1878620" y="1323249"/>
             <a:ext cx="1509346" cy="1471244"/>
           </a:xfrm>
           <a:prstGeom prst="rect">
@@ -3167,7 +3096,7 @@
         </p:nvSpPr>
         <p:spPr>
           <a:xfrm>
-            <a:off x="3656132" y="1393585"/>
+            <a:off x="3656132" y="1323249"/>
             <a:ext cx="1509346" cy="1471242"/>
           </a:xfrm>
           <a:prstGeom prst="rect">
@@ -3232,7 +3161,7 @@
         </p:nvSpPr>
         <p:spPr>
           <a:xfrm>
-            <a:off x="7211156" y="1393585"/>
+            <a:off x="7211156" y="1323249"/>
             <a:ext cx="1509346" cy="1471238"/>
           </a:xfrm>
           <a:prstGeom prst="rect">
@@ -3297,7 +3226,7 @@
         </p:nvSpPr>
         <p:spPr>
           <a:xfrm>
-            <a:off x="8988668" y="1393585"/>
+            <a:off x="8988668" y="1323249"/>
             <a:ext cx="1509346" cy="1471236"/>
           </a:xfrm>
           <a:prstGeom prst="rect">
@@ -3362,7 +3291,7 @@
         </p:nvSpPr>
         <p:spPr>
           <a:xfrm>
-            <a:off x="5435838" y="5086304"/>
+            <a:off x="5954585" y="5015968"/>
             <a:ext cx="1509346" cy="1465427"/>
           </a:xfrm>
           <a:prstGeom prst="rect">
@@ -3469,7 +3398,7 @@
         </p:nvSpPr>
         <p:spPr>
           <a:xfrm>
-            <a:off x="7121763" y="5076083"/>
+            <a:off x="7640510" y="5005747"/>
             <a:ext cx="1509346" cy="1475648"/>
           </a:xfrm>
           <a:prstGeom prst="rect">
@@ -3590,7 +3519,7 @@
         </p:nvCxnSpPr>
         <p:spPr>
           <a:xfrm>
-            <a:off x="2633293" y="2864829"/>
+            <a:off x="2633293" y="2794493"/>
             <a:ext cx="0" cy="1135670"/>
           </a:xfrm>
           <a:prstGeom prst="line">
@@ -3627,7 +3556,7 @@
         </p:nvCxnSpPr>
         <p:spPr>
           <a:xfrm>
-            <a:off x="6047636" y="3998299"/>
+            <a:off x="6715853" y="3927963"/>
             <a:ext cx="0" cy="1077784"/>
           </a:xfrm>
           <a:prstGeom prst="line">
@@ -3667,7 +3596,7 @@
         </p:nvCxnSpPr>
         <p:spPr>
           <a:xfrm flipV="1">
-            <a:off x="3387966" y="2129206"/>
+            <a:off x="3387966" y="2058870"/>
             <a:ext cx="268166" cy="1"/>
           </a:xfrm>
           <a:prstGeom prst="line">
@@ -3707,7 +3636,7 @@
         </p:nvCxnSpPr>
         <p:spPr>
           <a:xfrm flipV="1">
-            <a:off x="8720502" y="2129203"/>
+            <a:off x="8720502" y="2058867"/>
             <a:ext cx="268166" cy="1"/>
           </a:xfrm>
           <a:prstGeom prst="line">
@@ -3744,7 +3673,7 @@
         </p:nvCxnSpPr>
         <p:spPr>
           <a:xfrm>
-            <a:off x="7077073" y="3126401"/>
+            <a:off x="7077073" y="3056065"/>
             <a:ext cx="1777512" cy="0"/>
           </a:xfrm>
           <a:prstGeom prst="line">
@@ -3781,7 +3710,7 @@
         </p:nvCxnSpPr>
         <p:spPr>
           <a:xfrm flipV="1">
-            <a:off x="1019907" y="1526934"/>
+            <a:off x="1019907" y="1456598"/>
             <a:ext cx="858713" cy="1"/>
           </a:xfrm>
           <a:prstGeom prst="line">
@@ -3818,7 +3747,7 @@
         </p:nvGrpSpPr>
         <p:grpSpPr>
           <a:xfrm>
-            <a:off x="5433644" y="852857"/>
+            <a:off x="5433644" y="782521"/>
             <a:ext cx="1509346" cy="2552696"/>
             <a:chOff x="5407268" y="923193"/>
             <a:chExt cx="1509346" cy="2552696"/>
@@ -4167,7 +4096,7 @@
         </p:nvCxnSpPr>
         <p:spPr>
           <a:xfrm>
-            <a:off x="1115156" y="1819277"/>
+            <a:off x="1115156" y="1748941"/>
             <a:ext cx="763464" cy="11717"/>
           </a:xfrm>
           <a:prstGeom prst="line">
@@ -4204,7 +4133,7 @@
         </p:nvSpPr>
         <p:spPr>
           <a:xfrm>
-            <a:off x="478362" y="1301171"/>
+            <a:off x="478362" y="1230835"/>
             <a:ext cx="725774" cy="369332"/>
           </a:xfrm>
           <a:prstGeom prst="rect">
@@ -4235,7 +4164,7 @@
         </p:nvSpPr>
         <p:spPr>
           <a:xfrm>
-            <a:off x="487154" y="1622155"/>
+            <a:off x="487154" y="1551819"/>
             <a:ext cx="689548" cy="369332"/>
           </a:xfrm>
           <a:prstGeom prst="rect">
@@ -4266,7 +4195,7 @@
         </p:nvGrpSpPr>
         <p:grpSpPr>
           <a:xfrm>
-            <a:off x="3749914" y="4339000"/>
+            <a:off x="3125658" y="4268664"/>
             <a:ext cx="1509346" cy="2212731"/>
             <a:chOff x="3723538" y="4154365"/>
             <a:chExt cx="1509346" cy="2212731"/>
@@ -4550,8 +4479,8 @@
         </p:nvCxnSpPr>
         <p:spPr>
           <a:xfrm>
-            <a:off x="2633293" y="4000499"/>
-            <a:ext cx="3414343" cy="0"/>
+            <a:off x="2633293" y="3930163"/>
+            <a:ext cx="4082560" cy="0"/>
           </a:xfrm>
           <a:prstGeom prst="line">
             <a:avLst/>
@@ -4585,7 +4514,7 @@
         </p:nvCxnSpPr>
         <p:spPr>
           <a:xfrm>
-            <a:off x="4370512" y="4009291"/>
+            <a:off x="3825389" y="3938955"/>
             <a:ext cx="725" cy="329709"/>
           </a:xfrm>
           <a:prstGeom prst="line">
@@ -4625,7 +4554,7 @@
         </p:nvCxnSpPr>
         <p:spPr>
           <a:xfrm flipV="1">
-            <a:off x="5165478" y="2129205"/>
+            <a:off x="5165478" y="2058869"/>
             <a:ext cx="268166" cy="1"/>
           </a:xfrm>
           <a:prstGeom prst="line">
@@ -4665,7 +4594,7 @@
         </p:nvCxnSpPr>
         <p:spPr>
           <a:xfrm flipV="1">
-            <a:off x="6942990" y="2129204"/>
+            <a:off x="6942990" y="2058868"/>
             <a:ext cx="268166" cy="1"/>
           </a:xfrm>
           <a:prstGeom prst="line">
@@ -4702,7 +4631,7 @@
         </p:nvCxnSpPr>
         <p:spPr>
           <a:xfrm>
-            <a:off x="6054967" y="3405553"/>
+            <a:off x="6054967" y="3335217"/>
             <a:ext cx="0" cy="433021"/>
           </a:xfrm>
           <a:prstGeom prst="line">
@@ -4739,8 +4668,8 @@
         </p:nvCxnSpPr>
         <p:spPr>
           <a:xfrm>
-            <a:off x="4503862" y="3838574"/>
-            <a:ext cx="1551105" cy="0"/>
+            <a:off x="3598253" y="3768238"/>
+            <a:ext cx="2456714" cy="0"/>
           </a:xfrm>
           <a:prstGeom prst="line">
             <a:avLst/>
@@ -4769,14 +4698,12 @@
       <p:cxnSp>
         <p:nvCxnSpPr>
           <p:cNvPr id="73" name="직선 연결선 72"/>
-          <p:cNvCxnSpPr>
-            <a:stCxn id="12" idx="0"/>
-          </p:cNvCxnSpPr>
+          <p:cNvCxnSpPr/>
           <p:nvPr/>
         </p:nvCxnSpPr>
         <p:spPr>
           <a:xfrm flipH="1" flipV="1">
-            <a:off x="4503862" y="3838575"/>
+            <a:off x="3598253" y="3768239"/>
             <a:ext cx="725" cy="500425"/>
           </a:xfrm>
           <a:prstGeom prst="line">
@@ -4813,7 +4740,7 @@
         </p:nvCxnSpPr>
         <p:spPr>
           <a:xfrm>
-            <a:off x="8845799" y="2283068"/>
+            <a:off x="8845799" y="2212732"/>
             <a:ext cx="0" cy="843333"/>
           </a:xfrm>
           <a:prstGeom prst="line">
@@ -4850,7 +4777,7 @@
         </p:nvCxnSpPr>
         <p:spPr>
           <a:xfrm>
-            <a:off x="8845431" y="2281604"/>
+            <a:off x="8845431" y="2211268"/>
             <a:ext cx="143237" cy="0"/>
           </a:xfrm>
           <a:prstGeom prst="line">
@@ -4887,7 +4814,7 @@
         </p:nvCxnSpPr>
         <p:spPr>
           <a:xfrm>
-            <a:off x="6941522" y="2281604"/>
+            <a:off x="6941522" y="2211268"/>
             <a:ext cx="143237" cy="0"/>
           </a:xfrm>
           <a:prstGeom prst="line">
@@ -4924,7 +4851,7 @@
         </p:nvCxnSpPr>
         <p:spPr>
           <a:xfrm>
-            <a:off x="7084759" y="2281604"/>
+            <a:off x="7084759" y="2211268"/>
             <a:ext cx="0" cy="843333"/>
           </a:xfrm>
           <a:prstGeom prst="line">
@@ -4961,7 +4888,7 @@
         </p:nvCxnSpPr>
         <p:spPr>
           <a:xfrm>
-            <a:off x="7932126" y="2864821"/>
+            <a:off x="8362951" y="2794485"/>
             <a:ext cx="0" cy="2211262"/>
           </a:xfrm>
           <a:prstGeom prst="straightConnector1">
@@ -4998,7 +4925,7 @@
         </p:nvCxnSpPr>
         <p:spPr>
           <a:xfrm>
-            <a:off x="6379551" y="3405553"/>
+            <a:off x="6379551" y="3335217"/>
             <a:ext cx="0" cy="265236"/>
           </a:xfrm>
           <a:prstGeom prst="line">
@@ -5034,7 +4961,7 @@
         </p:nvCxnSpPr>
         <p:spPr>
           <a:xfrm flipH="1">
-            <a:off x="1712303" y="3670789"/>
+            <a:off x="1712303" y="3600453"/>
             <a:ext cx="4676773" cy="0"/>
           </a:xfrm>
           <a:prstGeom prst="line">
@@ -5069,7 +4996,7 @@
         </p:nvCxnSpPr>
         <p:spPr>
           <a:xfrm flipV="1">
-            <a:off x="1712301" y="2129204"/>
+            <a:off x="1712301" y="2058868"/>
             <a:ext cx="0" cy="1541585"/>
           </a:xfrm>
           <a:prstGeom prst="line">
@@ -5106,7 +5033,7 @@
         </p:nvCxnSpPr>
         <p:spPr>
           <a:xfrm>
-            <a:off x="1712301" y="2129203"/>
+            <a:off x="1712301" y="2058867"/>
             <a:ext cx="166319" cy="4"/>
           </a:xfrm>
           <a:prstGeom prst="straightConnector1">
@@ -5144,7 +5071,7 @@
         </p:nvCxnSpPr>
         <p:spPr>
           <a:xfrm>
-            <a:off x="9743341" y="2864821"/>
+            <a:off x="9743341" y="2794485"/>
             <a:ext cx="0" cy="1299799"/>
           </a:xfrm>
           <a:prstGeom prst="straightConnector1">
@@ -5181,8 +5108,8 @@
         </p:nvCxnSpPr>
         <p:spPr>
           <a:xfrm>
-            <a:off x="4637212" y="4164620"/>
-            <a:ext cx="5106128" cy="1"/>
+            <a:off x="4048127" y="4094285"/>
+            <a:ext cx="5695213" cy="0"/>
           </a:xfrm>
           <a:prstGeom prst="line">
             <a:avLst/>
@@ -5216,7 +5143,7 @@
         </p:nvCxnSpPr>
         <p:spPr>
           <a:xfrm>
-            <a:off x="4637212" y="4168284"/>
+            <a:off x="4048127" y="4097948"/>
             <a:ext cx="0" cy="161925"/>
           </a:xfrm>
           <a:prstGeom prst="line">
@@ -5253,7 +5180,7 @@
         </p:nvSpPr>
         <p:spPr>
           <a:xfrm>
-            <a:off x="9889397" y="6195597"/>
+            <a:off x="9364462" y="6057525"/>
             <a:ext cx="1713931" cy="461665"/>
           </a:xfrm>
           <a:prstGeom prst="rect">
@@ -5288,8 +5215,8 @@
         </p:nvCxnSpPr>
         <p:spPr>
           <a:xfrm>
-            <a:off x="1204136" y="759036"/>
-            <a:ext cx="7650449" cy="0"/>
+            <a:off x="1568200" y="688700"/>
+            <a:ext cx="7286385" cy="0"/>
           </a:xfrm>
           <a:prstGeom prst="line">
             <a:avLst/>
@@ -5325,7 +5252,7 @@
         </p:nvCxnSpPr>
         <p:spPr>
           <a:xfrm>
-            <a:off x="1204136" y="749450"/>
+            <a:off x="1568200" y="679114"/>
             <a:ext cx="0" cy="796532"/>
           </a:xfrm>
           <a:prstGeom prst="line">
@@ -5360,7 +5287,7 @@
         </p:nvSpPr>
         <p:spPr>
           <a:xfrm>
-            <a:off x="1181814" y="1490458"/>
+            <a:off x="1545878" y="1420122"/>
             <a:ext cx="57706" cy="65110"/>
           </a:xfrm>
           <a:prstGeom prst="ellipse">
@@ -5408,7 +5335,7 @@
         </p:nvCxnSpPr>
         <p:spPr>
           <a:xfrm>
-            <a:off x="8854585" y="759036"/>
+            <a:off x="8854585" y="688700"/>
             <a:ext cx="0" cy="770791"/>
           </a:xfrm>
           <a:prstGeom prst="line">
@@ -5445,7 +5372,7 @@
         </p:nvCxnSpPr>
         <p:spPr>
           <a:xfrm>
-            <a:off x="8845431" y="1529827"/>
+            <a:off x="8845431" y="1459491"/>
             <a:ext cx="143237" cy="0"/>
           </a:xfrm>
           <a:prstGeom prst="line">
@@ -5474,6 +5401,89 @@
           </a:fontRef>
         </p:style>
       </p:cxnSp>
+      <p:sp>
+        <p:nvSpPr>
+          <p:cNvPr id="63" name="타원 62"/>
+          <p:cNvSpPr/>
+          <p:nvPr/>
+        </p:nvSpPr>
+        <p:spPr>
+          <a:xfrm>
+            <a:off x="3800208" y="3901675"/>
+            <a:ext cx="57706" cy="65110"/>
+          </a:xfrm>
+          <a:prstGeom prst="ellipse">
+            <a:avLst/>
+          </a:prstGeom>
+          <a:solidFill>
+            <a:schemeClr val="tx1"/>
+          </a:solidFill>
+          <a:ln>
+            <a:solidFill>
+              <a:schemeClr val="tx1"/>
+            </a:solidFill>
+          </a:ln>
+        </p:spPr>
+        <p:style>
+          <a:lnRef idx="2">
+            <a:schemeClr val="accent1">
+              <a:shade val="50000"/>
+            </a:schemeClr>
+          </a:lnRef>
+          <a:fillRef idx="1">
+            <a:schemeClr val="accent1"/>
+          </a:fillRef>
+          <a:effectRef idx="0">
+            <a:schemeClr val="accent1"/>
+          </a:effectRef>
+          <a:fontRef idx="minor">
+            <a:schemeClr val="lt1"/>
+          </a:fontRef>
+        </p:style>
+        <p:txBody>
+          <a:bodyPr rtlCol="0" anchor="ctr"/>
+          <a:lstStyle/>
+          <a:p>
+            <a:pPr algn="ctr"/>
+            <a:endParaRPr lang="ko-KR" altLang="en-US"/>
+          </a:p>
+        </p:txBody>
+      </p:sp>
+      <p:sp>
+        <p:nvSpPr>
+          <p:cNvPr id="64" name="TextBox 63"/>
+          <p:cNvSpPr txBox="1"/>
+          <p:nvPr/>
+        </p:nvSpPr>
+        <p:spPr>
+          <a:xfrm>
+            <a:off x="5113044" y="200002"/>
+            <a:ext cx="1883849" cy="461665"/>
+          </a:xfrm>
+          <a:prstGeom prst="rect">
+            <a:avLst/>
+          </a:prstGeom>
+          <a:noFill/>
+        </p:spPr>
+        <p:txBody>
+          <a:bodyPr wrap="none" rtlCol="0">
+            <a:spAutoFit/>
+          </a:bodyPr>
+          <a:lstStyle/>
+          <a:p>
+            <a:pPr algn="ctr"/>
+            <a:r>
+              <a:rPr lang="en-US" altLang="ko-KR" sz="2400" dirty="0" smtClean="0">
+                <a:latin typeface="Consolas" panose="020B0609020204030204" pitchFamily="49" charset="0"/>
+              </a:rPr>
+              <a:t>Top Module</a:t>
+            </a:r>
+            <a:endParaRPr lang="ko-KR" altLang="en-US" sz="2400" dirty="0">
+              <a:latin typeface="Consolas" panose="020B0609020204030204" pitchFamily="49" charset="0"/>
+            </a:endParaRPr>
+          </a:p>
+        </p:txBody>
+      </p:sp>
     </p:spTree>
     <p:extLst>
       <p:ext uri="{BB962C8B-B14F-4D97-AF65-F5344CB8AC3E}">

--- a/resources/Diagrams.pptx
+++ b/resources/Diagrams.pptx
@@ -5,7 +5,7 @@
     <p:sldMasterId id="2147483648" r:id="rId1"/>
   </p:sldMasterIdLst>
   <p:sldIdLst>
-    <p:sldId id="259" r:id="rId2"/>
+    <p:sldId id="260" r:id="rId2"/>
     <p:sldId id="257" r:id="rId3"/>
   </p:sldIdLst>
   <p:sldSz cx="12192000" cy="6858000"/>
@@ -244,7 +244,7 @@
           <a:p>
             <a:fld id="{38CE1A25-D0DA-4046-8538-9FCF1196F4BF}" type="datetimeFigureOut">
               <a:rPr lang="ko-KR" altLang="en-US" smtClean="0"/>
-              <a:t>2021-08-01</a:t>
+              <a:t>2021-08-03</a:t>
             </a:fld>
             <a:endParaRPr lang="ko-KR" altLang="en-US"/>
           </a:p>
@@ -414,7 +414,7 @@
           <a:p>
             <a:fld id="{38CE1A25-D0DA-4046-8538-9FCF1196F4BF}" type="datetimeFigureOut">
               <a:rPr lang="ko-KR" altLang="en-US" smtClean="0"/>
-              <a:t>2021-08-01</a:t>
+              <a:t>2021-08-03</a:t>
             </a:fld>
             <a:endParaRPr lang="ko-KR" altLang="en-US"/>
           </a:p>
@@ -594,7 +594,7 @@
           <a:p>
             <a:fld id="{38CE1A25-D0DA-4046-8538-9FCF1196F4BF}" type="datetimeFigureOut">
               <a:rPr lang="ko-KR" altLang="en-US" smtClean="0"/>
-              <a:t>2021-08-01</a:t>
+              <a:t>2021-08-03</a:t>
             </a:fld>
             <a:endParaRPr lang="ko-KR" altLang="en-US"/>
           </a:p>
@@ -764,7 +764,7 @@
           <a:p>
             <a:fld id="{38CE1A25-D0DA-4046-8538-9FCF1196F4BF}" type="datetimeFigureOut">
               <a:rPr lang="ko-KR" altLang="en-US" smtClean="0"/>
-              <a:t>2021-08-01</a:t>
+              <a:t>2021-08-03</a:t>
             </a:fld>
             <a:endParaRPr lang="ko-KR" altLang="en-US"/>
           </a:p>
@@ -1010,7 +1010,7 @@
           <a:p>
             <a:fld id="{38CE1A25-D0DA-4046-8538-9FCF1196F4BF}" type="datetimeFigureOut">
               <a:rPr lang="ko-KR" altLang="en-US" smtClean="0"/>
-              <a:t>2021-08-01</a:t>
+              <a:t>2021-08-03</a:t>
             </a:fld>
             <a:endParaRPr lang="ko-KR" altLang="en-US"/>
           </a:p>
@@ -1242,7 +1242,7 @@
           <a:p>
             <a:fld id="{38CE1A25-D0DA-4046-8538-9FCF1196F4BF}" type="datetimeFigureOut">
               <a:rPr lang="ko-KR" altLang="en-US" smtClean="0"/>
-              <a:t>2021-08-01</a:t>
+              <a:t>2021-08-03</a:t>
             </a:fld>
             <a:endParaRPr lang="ko-KR" altLang="en-US"/>
           </a:p>
@@ -1609,7 +1609,7 @@
           <a:p>
             <a:fld id="{38CE1A25-D0DA-4046-8538-9FCF1196F4BF}" type="datetimeFigureOut">
               <a:rPr lang="ko-KR" altLang="en-US" smtClean="0"/>
-              <a:t>2021-08-01</a:t>
+              <a:t>2021-08-03</a:t>
             </a:fld>
             <a:endParaRPr lang="ko-KR" altLang="en-US"/>
           </a:p>
@@ -1727,7 +1727,7 @@
           <a:p>
             <a:fld id="{38CE1A25-D0DA-4046-8538-9FCF1196F4BF}" type="datetimeFigureOut">
               <a:rPr lang="ko-KR" altLang="en-US" smtClean="0"/>
-              <a:t>2021-08-01</a:t>
+              <a:t>2021-08-03</a:t>
             </a:fld>
             <a:endParaRPr lang="ko-KR" altLang="en-US"/>
           </a:p>
@@ -1822,7 +1822,7 @@
           <a:p>
             <a:fld id="{38CE1A25-D0DA-4046-8538-9FCF1196F4BF}" type="datetimeFigureOut">
               <a:rPr lang="ko-KR" altLang="en-US" smtClean="0"/>
-              <a:t>2021-08-01</a:t>
+              <a:t>2021-08-03</a:t>
             </a:fld>
             <a:endParaRPr lang="ko-KR" altLang="en-US"/>
           </a:p>
@@ -2099,7 +2099,7 @@
           <a:p>
             <a:fld id="{38CE1A25-D0DA-4046-8538-9FCF1196F4BF}" type="datetimeFigureOut">
               <a:rPr lang="ko-KR" altLang="en-US" smtClean="0"/>
-              <a:t>2021-08-01</a:t>
+              <a:t>2021-08-03</a:t>
             </a:fld>
             <a:endParaRPr lang="ko-KR" altLang="en-US"/>
           </a:p>
@@ -2352,7 +2352,7 @@
           <a:p>
             <a:fld id="{38CE1A25-D0DA-4046-8538-9FCF1196F4BF}" type="datetimeFigureOut">
               <a:rPr lang="ko-KR" altLang="en-US" smtClean="0"/>
-              <a:t>2021-08-01</a:t>
+              <a:t>2021-08-03</a:t>
             </a:fld>
             <a:endParaRPr lang="ko-KR" altLang="en-US"/>
           </a:p>
@@ -2565,7 +2565,7 @@
           <a:p>
             <a:fld id="{38CE1A25-D0DA-4046-8538-9FCF1196F4BF}" type="datetimeFigureOut">
               <a:rPr lang="ko-KR" altLang="en-US" smtClean="0"/>
-              <a:t>2021-08-01</a:t>
+              <a:t>2021-08-03</a:t>
             </a:fld>
             <a:endParaRPr lang="ko-KR" altLang="en-US"/>
           </a:p>
@@ -2972,7 +2972,7 @@
       </p:grpSpPr>
       <p:sp>
         <p:nvSpPr>
-          <p:cNvPr id="2" name="L 도형 1"/>
+          <p:cNvPr id="4" name="L 도형 3"/>
           <p:cNvSpPr/>
           <p:nvPr/>
         </p:nvSpPr>
@@ -3155,7 +3155,7 @@
       </p:sp>
       <p:sp>
         <p:nvSpPr>
-          <p:cNvPr id="8" name="직사각형 7"/>
+          <p:cNvPr id="7" name="직사각형 6"/>
           <p:cNvSpPr/>
           <p:nvPr/>
         </p:nvSpPr>
@@ -3220,7 +3220,7 @@
       </p:sp>
       <p:sp>
         <p:nvSpPr>
-          <p:cNvPr id="9" name="직사각형 8"/>
+          <p:cNvPr id="8" name="직사각형 7"/>
           <p:cNvSpPr/>
           <p:nvPr/>
         </p:nvSpPr>
@@ -3285,7 +3285,7 @@
       </p:sp>
       <p:sp>
         <p:nvSpPr>
-          <p:cNvPr id="10" name="직사각형 9"/>
+          <p:cNvPr id="9" name="직사각형 8"/>
           <p:cNvSpPr/>
           <p:nvPr/>
         </p:nvSpPr>
@@ -3392,7 +3392,7 @@
       </p:sp>
       <p:sp>
         <p:nvSpPr>
-          <p:cNvPr id="11" name="직사각형 10"/>
+          <p:cNvPr id="10" name="직사각형 9"/>
           <p:cNvSpPr/>
           <p:nvPr/>
         </p:nvSpPr>
@@ -3511,7 +3511,7 @@
       </p:sp>
       <p:cxnSp>
         <p:nvCxnSpPr>
-          <p:cNvPr id="19" name="직선 연결선 18"/>
+          <p:cNvPr id="11" name="직선 연결선 10"/>
           <p:cNvCxnSpPr>
             <a:stCxn id="5" idx="2"/>
           </p:cNvCxnSpPr>
@@ -3550,7 +3550,7 @@
       </p:cxnSp>
       <p:cxnSp>
         <p:nvCxnSpPr>
-          <p:cNvPr id="30" name="직선 연결선 29"/>
+          <p:cNvPr id="12" name="직선 연결선 11"/>
           <p:cNvCxnSpPr/>
           <p:nvPr/>
         </p:nvCxnSpPr>
@@ -3587,7 +3587,7 @@
       </p:cxnSp>
       <p:cxnSp>
         <p:nvCxnSpPr>
-          <p:cNvPr id="32" name="직선 연결선 31"/>
+          <p:cNvPr id="13" name="직선 연결선 12"/>
           <p:cNvCxnSpPr>
             <a:stCxn id="5" idx="3"/>
             <a:endCxn id="6" idx="1"/>
@@ -3627,10 +3627,10 @@
       </p:cxnSp>
       <p:cxnSp>
         <p:nvCxnSpPr>
-          <p:cNvPr id="38" name="직선 연결선 37"/>
+          <p:cNvPr id="14" name="직선 연결선 13"/>
           <p:cNvCxnSpPr>
-            <a:stCxn id="8" idx="3"/>
-            <a:endCxn id="9" idx="1"/>
+            <a:stCxn id="7" idx="3"/>
+            <a:endCxn id="8" idx="1"/>
           </p:cNvCxnSpPr>
           <p:nvPr/>
         </p:nvCxnSpPr>
@@ -3667,7 +3667,7 @@
       </p:cxnSp>
       <p:cxnSp>
         <p:nvCxnSpPr>
-          <p:cNvPr id="60" name="직선 연결선 59"/>
+          <p:cNvPr id="15" name="직선 연결선 14"/>
           <p:cNvCxnSpPr/>
           <p:nvPr/>
         </p:nvCxnSpPr>
@@ -3704,7 +3704,7 @@
       </p:cxnSp>
       <p:cxnSp>
         <p:nvCxnSpPr>
-          <p:cNvPr id="41" name="직선 연결선 40"/>
+          <p:cNvPr id="16" name="직선 연결선 15"/>
           <p:cNvCxnSpPr/>
           <p:nvPr/>
         </p:nvCxnSpPr>
@@ -3741,7 +3741,7 @@
       </p:cxnSp>
       <p:grpSp>
         <p:nvGrpSpPr>
-          <p:cNvPr id="46" name="그룹 45"/>
+          <p:cNvPr id="17" name="그룹 16"/>
           <p:cNvGrpSpPr/>
           <p:nvPr/>
         </p:nvGrpSpPr>
@@ -3755,7 +3755,7 @@
         </p:grpSpPr>
         <p:sp>
           <p:nvSpPr>
-            <p:cNvPr id="7" name="직사각형 6"/>
+            <p:cNvPr id="18" name="직사각형 17"/>
             <p:cNvSpPr/>
             <p:nvPr/>
           </p:nvSpPr>
@@ -3829,7 +3829,7 @@
         </p:sp>
         <p:sp>
           <p:nvSpPr>
-            <p:cNvPr id="13" name="직사각형 12"/>
+            <p:cNvPr id="19" name="직사각형 18"/>
             <p:cNvSpPr/>
             <p:nvPr/>
           </p:nvSpPr>
@@ -3894,7 +3894,7 @@
         </p:sp>
         <p:sp>
           <p:nvSpPr>
-            <p:cNvPr id="15" name="직사각형 14"/>
+            <p:cNvPr id="20" name="직사각형 19"/>
             <p:cNvSpPr/>
             <p:nvPr/>
           </p:nvSpPr>
@@ -3959,7 +3959,7 @@
         </p:sp>
         <p:sp>
           <p:nvSpPr>
-            <p:cNvPr id="16" name="직사각형 15"/>
+            <p:cNvPr id="21" name="직사각형 20"/>
             <p:cNvSpPr/>
             <p:nvPr/>
           </p:nvSpPr>
@@ -4024,7 +4024,7 @@
         </p:sp>
         <p:sp>
           <p:nvSpPr>
-            <p:cNvPr id="43" name="직사각형 42"/>
+            <p:cNvPr id="22" name="직사각형 21"/>
             <p:cNvSpPr/>
             <p:nvPr/>
           </p:nvSpPr>
@@ -4090,7 +4090,7 @@
       </p:grpSp>
       <p:cxnSp>
         <p:nvCxnSpPr>
-          <p:cNvPr id="52" name="직선 연결선 51"/>
+          <p:cNvPr id="23" name="직선 연결선 22"/>
           <p:cNvCxnSpPr/>
           <p:nvPr/>
         </p:nvCxnSpPr>
@@ -4127,7 +4127,7 @@
       </p:cxnSp>
       <p:sp>
         <p:nvSpPr>
-          <p:cNvPr id="39" name="TextBox 38"/>
+          <p:cNvPr id="24" name="TextBox 23"/>
           <p:cNvSpPr txBox="1"/>
           <p:nvPr/>
         </p:nvSpPr>
@@ -4158,7 +4158,7 @@
       </p:sp>
       <p:sp>
         <p:nvSpPr>
-          <p:cNvPr id="56" name="TextBox 55"/>
+          <p:cNvPr id="25" name="TextBox 24"/>
           <p:cNvSpPr txBox="1"/>
           <p:nvPr/>
         </p:nvSpPr>
@@ -4189,7 +4189,7 @@
       </p:sp>
       <p:grpSp>
         <p:nvGrpSpPr>
-          <p:cNvPr id="45" name="그룹 44"/>
+          <p:cNvPr id="26" name="그룹 25"/>
           <p:cNvGrpSpPr/>
           <p:nvPr/>
         </p:nvGrpSpPr>
@@ -4203,7 +4203,7 @@
         </p:grpSpPr>
         <p:sp>
           <p:nvSpPr>
-            <p:cNvPr id="12" name="직사각형 11"/>
+            <p:cNvPr id="27" name="직사각형 26"/>
             <p:cNvSpPr/>
             <p:nvPr/>
           </p:nvSpPr>
@@ -4277,7 +4277,7 @@
         </p:sp>
         <p:sp>
           <p:nvSpPr>
-            <p:cNvPr id="57" name="직사각형 56"/>
+            <p:cNvPr id="28" name="직사각형 27"/>
             <p:cNvSpPr/>
             <p:nvPr/>
           </p:nvSpPr>
@@ -4342,7 +4342,7 @@
         </p:sp>
         <p:sp>
           <p:nvSpPr>
-            <p:cNvPr id="58" name="직사각형 57"/>
+            <p:cNvPr id="29" name="직사각형 28"/>
             <p:cNvSpPr/>
             <p:nvPr/>
           </p:nvSpPr>
@@ -4407,7 +4407,7 @@
         </p:sp>
         <p:sp>
           <p:nvSpPr>
-            <p:cNvPr id="62" name="직사각형 61"/>
+            <p:cNvPr id="30" name="직사각형 29"/>
             <p:cNvSpPr/>
             <p:nvPr/>
           </p:nvSpPr>
@@ -4473,7 +4473,7 @@
       </p:grpSp>
       <p:cxnSp>
         <p:nvCxnSpPr>
-          <p:cNvPr id="3" name="직선 연결선 2"/>
+          <p:cNvPr id="31" name="직선 연결선 30"/>
           <p:cNvCxnSpPr/>
           <p:nvPr/>
         </p:nvCxnSpPr>
@@ -4489,6 +4489,453 @@
             <a:solidFill>
               <a:schemeClr val="tx1"/>
             </a:solidFill>
+          </a:ln>
+        </p:spPr>
+        <p:style>
+          <a:lnRef idx="1">
+            <a:schemeClr val="accent1"/>
+          </a:lnRef>
+          <a:fillRef idx="0">
+            <a:schemeClr val="accent1"/>
+          </a:fillRef>
+          <a:effectRef idx="0">
+            <a:schemeClr val="accent1"/>
+          </a:effectRef>
+          <a:fontRef idx="minor">
+            <a:schemeClr val="tx1"/>
+          </a:fontRef>
+        </p:style>
+      </p:cxnSp>
+      <p:cxnSp>
+        <p:nvCxnSpPr>
+          <p:cNvPr id="32" name="직선 연결선 31"/>
+          <p:cNvCxnSpPr/>
+          <p:nvPr/>
+        </p:nvCxnSpPr>
+        <p:spPr>
+          <a:xfrm>
+            <a:off x="3825389" y="3938955"/>
+            <a:ext cx="725" cy="329709"/>
+          </a:xfrm>
+          <a:prstGeom prst="line">
+            <a:avLst/>
+          </a:prstGeom>
+          <a:ln w="28575">
+            <a:solidFill>
+              <a:schemeClr val="tx1"/>
+            </a:solidFill>
+            <a:headEnd type="none" w="med" len="med"/>
+            <a:tailEnd type="arrow" w="med" len="med"/>
+          </a:ln>
+        </p:spPr>
+        <p:style>
+          <a:lnRef idx="1">
+            <a:schemeClr val="accent1"/>
+          </a:lnRef>
+          <a:fillRef idx="0">
+            <a:schemeClr val="accent1"/>
+          </a:fillRef>
+          <a:effectRef idx="0">
+            <a:schemeClr val="accent1"/>
+          </a:effectRef>
+          <a:fontRef idx="minor">
+            <a:schemeClr val="tx1"/>
+          </a:fontRef>
+        </p:style>
+      </p:cxnSp>
+      <p:cxnSp>
+        <p:nvCxnSpPr>
+          <p:cNvPr id="33" name="직선 연결선 32"/>
+          <p:cNvCxnSpPr>
+            <a:stCxn id="6" idx="3"/>
+            <a:endCxn id="18" idx="1"/>
+          </p:cNvCxnSpPr>
+          <p:nvPr/>
+        </p:nvCxnSpPr>
+        <p:spPr>
+          <a:xfrm flipV="1">
+            <a:off x="5165478" y="2058869"/>
+            <a:ext cx="268166" cy="1"/>
+          </a:xfrm>
+          <a:prstGeom prst="line">
+            <a:avLst/>
+          </a:prstGeom>
+          <a:ln w="28575">
+            <a:solidFill>
+              <a:schemeClr val="tx1"/>
+            </a:solidFill>
+            <a:headEnd type="none" w="med" len="med"/>
+            <a:tailEnd type="arrow" w="med" len="med"/>
+          </a:ln>
+        </p:spPr>
+        <p:style>
+          <a:lnRef idx="1">
+            <a:schemeClr val="accent1"/>
+          </a:lnRef>
+          <a:fillRef idx="0">
+            <a:schemeClr val="accent1"/>
+          </a:fillRef>
+          <a:effectRef idx="0">
+            <a:schemeClr val="accent1"/>
+          </a:effectRef>
+          <a:fontRef idx="minor">
+            <a:schemeClr val="tx1"/>
+          </a:fontRef>
+        </p:style>
+      </p:cxnSp>
+      <p:cxnSp>
+        <p:nvCxnSpPr>
+          <p:cNvPr id="34" name="직선 연결선 33"/>
+          <p:cNvCxnSpPr>
+            <a:stCxn id="18" idx="3"/>
+            <a:endCxn id="7" idx="1"/>
+          </p:cNvCxnSpPr>
+          <p:nvPr/>
+        </p:nvCxnSpPr>
+        <p:spPr>
+          <a:xfrm flipV="1">
+            <a:off x="6942990" y="2058868"/>
+            <a:ext cx="268166" cy="1"/>
+          </a:xfrm>
+          <a:prstGeom prst="line">
+            <a:avLst/>
+          </a:prstGeom>
+          <a:ln w="28575">
+            <a:solidFill>
+              <a:schemeClr val="tx1"/>
+            </a:solidFill>
+            <a:headEnd type="none" w="med" len="med"/>
+            <a:tailEnd type="arrow" w="med" len="med"/>
+          </a:ln>
+        </p:spPr>
+        <p:style>
+          <a:lnRef idx="1">
+            <a:schemeClr val="accent1"/>
+          </a:lnRef>
+          <a:fillRef idx="0">
+            <a:schemeClr val="accent1"/>
+          </a:fillRef>
+          <a:effectRef idx="0">
+            <a:schemeClr val="accent1"/>
+          </a:effectRef>
+          <a:fontRef idx="minor">
+            <a:schemeClr val="tx1"/>
+          </a:fontRef>
+        </p:style>
+      </p:cxnSp>
+      <p:cxnSp>
+        <p:nvCxnSpPr>
+          <p:cNvPr id="35" name="직선 연결선 34"/>
+          <p:cNvCxnSpPr/>
+          <p:nvPr/>
+        </p:nvCxnSpPr>
+        <p:spPr>
+          <a:xfrm>
+            <a:off x="6054967" y="3335217"/>
+            <a:ext cx="0" cy="433021"/>
+          </a:xfrm>
+          <a:prstGeom prst="line">
+            <a:avLst/>
+          </a:prstGeom>
+          <a:ln w="28575">
+            <a:solidFill>
+              <a:schemeClr val="tx1"/>
+            </a:solidFill>
+            <a:headEnd type="arrow" w="med" len="med"/>
+            <a:tailEnd type="none" w="med" len="med"/>
+          </a:ln>
+        </p:spPr>
+        <p:style>
+          <a:lnRef idx="1">
+            <a:schemeClr val="accent1"/>
+          </a:lnRef>
+          <a:fillRef idx="0">
+            <a:schemeClr val="accent1"/>
+          </a:fillRef>
+          <a:effectRef idx="0">
+            <a:schemeClr val="accent1"/>
+          </a:effectRef>
+          <a:fontRef idx="minor">
+            <a:schemeClr val="tx1"/>
+          </a:fontRef>
+        </p:style>
+      </p:cxnSp>
+      <p:cxnSp>
+        <p:nvCxnSpPr>
+          <p:cNvPr id="36" name="직선 연결선 35"/>
+          <p:cNvCxnSpPr/>
+          <p:nvPr/>
+        </p:nvCxnSpPr>
+        <p:spPr>
+          <a:xfrm>
+            <a:off x="3598253" y="3768238"/>
+            <a:ext cx="2456714" cy="0"/>
+          </a:xfrm>
+          <a:prstGeom prst="line">
+            <a:avLst/>
+          </a:prstGeom>
+          <a:ln w="28575">
+            <a:solidFill>
+              <a:schemeClr val="tx1"/>
+            </a:solidFill>
+          </a:ln>
+        </p:spPr>
+        <p:style>
+          <a:lnRef idx="1">
+            <a:schemeClr val="accent1"/>
+          </a:lnRef>
+          <a:fillRef idx="0">
+            <a:schemeClr val="accent1"/>
+          </a:fillRef>
+          <a:effectRef idx="0">
+            <a:schemeClr val="accent1"/>
+          </a:effectRef>
+          <a:fontRef idx="minor">
+            <a:schemeClr val="tx1"/>
+          </a:fontRef>
+        </p:style>
+      </p:cxnSp>
+      <p:cxnSp>
+        <p:nvCxnSpPr>
+          <p:cNvPr id="37" name="직선 연결선 36"/>
+          <p:cNvCxnSpPr/>
+          <p:nvPr/>
+        </p:nvCxnSpPr>
+        <p:spPr>
+          <a:xfrm flipH="1" flipV="1">
+            <a:off x="3598253" y="3768239"/>
+            <a:ext cx="725" cy="500425"/>
+          </a:xfrm>
+          <a:prstGeom prst="line">
+            <a:avLst/>
+          </a:prstGeom>
+          <a:ln w="28575">
+            <a:solidFill>
+              <a:schemeClr val="tx1"/>
+            </a:solidFill>
+            <a:headEnd type="none" w="med" len="med"/>
+            <a:tailEnd type="none" w="med" len="med"/>
+          </a:ln>
+        </p:spPr>
+        <p:style>
+          <a:lnRef idx="1">
+            <a:schemeClr val="accent1"/>
+          </a:lnRef>
+          <a:fillRef idx="0">
+            <a:schemeClr val="accent1"/>
+          </a:fillRef>
+          <a:effectRef idx="0">
+            <a:schemeClr val="accent1"/>
+          </a:effectRef>
+          <a:fontRef idx="minor">
+            <a:schemeClr val="tx1"/>
+          </a:fontRef>
+        </p:style>
+      </p:cxnSp>
+      <p:cxnSp>
+        <p:nvCxnSpPr>
+          <p:cNvPr id="38" name="직선 연결선 37"/>
+          <p:cNvCxnSpPr/>
+          <p:nvPr/>
+        </p:nvCxnSpPr>
+        <p:spPr>
+          <a:xfrm>
+            <a:off x="8845799" y="2212732"/>
+            <a:ext cx="0" cy="843333"/>
+          </a:xfrm>
+          <a:prstGeom prst="line">
+            <a:avLst/>
+          </a:prstGeom>
+          <a:ln w="28575">
+            <a:solidFill>
+              <a:schemeClr val="tx1"/>
+            </a:solidFill>
+            <a:headEnd type="none" w="med" len="med"/>
+            <a:tailEnd type="none" w="med" len="med"/>
+          </a:ln>
+        </p:spPr>
+        <p:style>
+          <a:lnRef idx="1">
+            <a:schemeClr val="accent1"/>
+          </a:lnRef>
+          <a:fillRef idx="0">
+            <a:schemeClr val="accent1"/>
+          </a:fillRef>
+          <a:effectRef idx="0">
+            <a:schemeClr val="accent1"/>
+          </a:effectRef>
+          <a:fontRef idx="minor">
+            <a:schemeClr val="tx1"/>
+          </a:fontRef>
+        </p:style>
+      </p:cxnSp>
+      <p:cxnSp>
+        <p:nvCxnSpPr>
+          <p:cNvPr id="39" name="직선 연결선 38"/>
+          <p:cNvCxnSpPr/>
+          <p:nvPr/>
+        </p:nvCxnSpPr>
+        <p:spPr>
+          <a:xfrm>
+            <a:off x="8845431" y="2211268"/>
+            <a:ext cx="143237" cy="0"/>
+          </a:xfrm>
+          <a:prstGeom prst="line">
+            <a:avLst/>
+          </a:prstGeom>
+          <a:ln w="28575">
+            <a:solidFill>
+              <a:schemeClr val="tx1"/>
+            </a:solidFill>
+            <a:headEnd type="none" w="med" len="med"/>
+            <a:tailEnd type="arrow" w="med" len="med"/>
+          </a:ln>
+        </p:spPr>
+        <p:style>
+          <a:lnRef idx="1">
+            <a:schemeClr val="accent1"/>
+          </a:lnRef>
+          <a:fillRef idx="0">
+            <a:schemeClr val="accent1"/>
+          </a:fillRef>
+          <a:effectRef idx="0">
+            <a:schemeClr val="accent1"/>
+          </a:effectRef>
+          <a:fontRef idx="minor">
+            <a:schemeClr val="tx1"/>
+          </a:fontRef>
+        </p:style>
+      </p:cxnSp>
+      <p:cxnSp>
+        <p:nvCxnSpPr>
+          <p:cNvPr id="40" name="직선 연결선 39"/>
+          <p:cNvCxnSpPr/>
+          <p:nvPr/>
+        </p:nvCxnSpPr>
+        <p:spPr>
+          <a:xfrm>
+            <a:off x="6941522" y="2211268"/>
+            <a:ext cx="143237" cy="0"/>
+          </a:xfrm>
+          <a:prstGeom prst="line">
+            <a:avLst/>
+          </a:prstGeom>
+          <a:ln w="28575">
+            <a:solidFill>
+              <a:schemeClr val="tx1"/>
+            </a:solidFill>
+            <a:headEnd type="none" w="med" len="med"/>
+            <a:tailEnd type="none" w="med" len="med"/>
+          </a:ln>
+        </p:spPr>
+        <p:style>
+          <a:lnRef idx="1">
+            <a:schemeClr val="accent1"/>
+          </a:lnRef>
+          <a:fillRef idx="0">
+            <a:schemeClr val="accent1"/>
+          </a:fillRef>
+          <a:effectRef idx="0">
+            <a:schemeClr val="accent1"/>
+          </a:effectRef>
+          <a:fontRef idx="minor">
+            <a:schemeClr val="tx1"/>
+          </a:fontRef>
+        </p:style>
+      </p:cxnSp>
+      <p:cxnSp>
+        <p:nvCxnSpPr>
+          <p:cNvPr id="41" name="직선 연결선 40"/>
+          <p:cNvCxnSpPr/>
+          <p:nvPr/>
+        </p:nvCxnSpPr>
+        <p:spPr>
+          <a:xfrm>
+            <a:off x="7084759" y="2211268"/>
+            <a:ext cx="0" cy="843333"/>
+          </a:xfrm>
+          <a:prstGeom prst="line">
+            <a:avLst/>
+          </a:prstGeom>
+          <a:ln w="28575">
+            <a:solidFill>
+              <a:schemeClr val="tx1"/>
+            </a:solidFill>
+            <a:headEnd type="none" w="med" len="med"/>
+            <a:tailEnd type="none" w="med" len="med"/>
+          </a:ln>
+        </p:spPr>
+        <p:style>
+          <a:lnRef idx="1">
+            <a:schemeClr val="accent1"/>
+          </a:lnRef>
+          <a:fillRef idx="0">
+            <a:schemeClr val="accent1"/>
+          </a:fillRef>
+          <a:effectRef idx="0">
+            <a:schemeClr val="accent1"/>
+          </a:effectRef>
+          <a:fontRef idx="minor">
+            <a:schemeClr val="tx1"/>
+          </a:fontRef>
+        </p:style>
+      </p:cxnSp>
+      <p:cxnSp>
+        <p:nvCxnSpPr>
+          <p:cNvPr id="42" name="직선 화살표 연결선 41"/>
+          <p:cNvCxnSpPr/>
+          <p:nvPr/>
+        </p:nvCxnSpPr>
+        <p:spPr>
+          <a:xfrm>
+            <a:off x="8362951" y="2794485"/>
+            <a:ext cx="0" cy="2211262"/>
+          </a:xfrm>
+          <a:prstGeom prst="straightConnector1">
+            <a:avLst/>
+          </a:prstGeom>
+          <a:ln w="28575">
+            <a:solidFill>
+              <a:schemeClr val="tx1"/>
+            </a:solidFill>
+            <a:headEnd type="arrow" w="med" len="med"/>
+            <a:tailEnd type="arrow" w="med" len="med"/>
+          </a:ln>
+        </p:spPr>
+        <p:style>
+          <a:lnRef idx="1">
+            <a:schemeClr val="accent1"/>
+          </a:lnRef>
+          <a:fillRef idx="0">
+            <a:schemeClr val="accent1"/>
+          </a:fillRef>
+          <a:effectRef idx="0">
+            <a:schemeClr val="accent1"/>
+          </a:effectRef>
+          <a:fontRef idx="minor">
+            <a:schemeClr val="tx1"/>
+          </a:fontRef>
+        </p:style>
+      </p:cxnSp>
+      <p:cxnSp>
+        <p:nvCxnSpPr>
+          <p:cNvPr id="43" name="직선 연결선 42"/>
+          <p:cNvCxnSpPr/>
+          <p:nvPr/>
+        </p:nvCxnSpPr>
+        <p:spPr>
+          <a:xfrm>
+            <a:off x="6379551" y="3335217"/>
+            <a:ext cx="0" cy="265236"/>
+          </a:xfrm>
+          <a:prstGeom prst="line">
+            <a:avLst/>
+          </a:prstGeom>
+          <a:ln w="28575">
+            <a:solidFill>
+              <a:schemeClr val="tx1"/>
+            </a:solidFill>
+            <a:headEnd type="none"/>
           </a:ln>
         </p:spPr>
         <p:style>
@@ -4513,9 +4960,191 @@
           <p:nvPr/>
         </p:nvCxnSpPr>
         <p:spPr>
+          <a:xfrm flipH="1">
+            <a:off x="1712303" y="3600453"/>
+            <a:ext cx="4676773" cy="0"/>
+          </a:xfrm>
+          <a:prstGeom prst="line">
+            <a:avLst/>
+          </a:prstGeom>
+          <a:ln w="28575">
+            <a:solidFill>
+              <a:schemeClr val="tx1"/>
+            </a:solidFill>
+          </a:ln>
+        </p:spPr>
+        <p:style>
+          <a:lnRef idx="1">
+            <a:schemeClr val="accent1"/>
+          </a:lnRef>
+          <a:fillRef idx="0">
+            <a:schemeClr val="accent1"/>
+          </a:fillRef>
+          <a:effectRef idx="0">
+            <a:schemeClr val="accent1"/>
+          </a:effectRef>
+          <a:fontRef idx="minor">
+            <a:schemeClr val="tx1"/>
+          </a:fontRef>
+        </p:style>
+      </p:cxnSp>
+      <p:cxnSp>
+        <p:nvCxnSpPr>
+          <p:cNvPr id="45" name="직선 연결선 44"/>
+          <p:cNvCxnSpPr/>
+          <p:nvPr/>
+        </p:nvCxnSpPr>
+        <p:spPr>
+          <a:xfrm flipV="1">
+            <a:off x="1712301" y="2058868"/>
+            <a:ext cx="0" cy="1541585"/>
+          </a:xfrm>
+          <a:prstGeom prst="line">
+            <a:avLst/>
+          </a:prstGeom>
+          <a:ln w="28575">
+            <a:solidFill>
+              <a:schemeClr val="tx1"/>
+            </a:solidFill>
+          </a:ln>
+        </p:spPr>
+        <p:style>
+          <a:lnRef idx="1">
+            <a:schemeClr val="accent1"/>
+          </a:lnRef>
+          <a:fillRef idx="0">
+            <a:schemeClr val="accent1"/>
+          </a:fillRef>
+          <a:effectRef idx="0">
+            <a:schemeClr val="accent1"/>
+          </a:effectRef>
+          <a:fontRef idx="minor">
+            <a:schemeClr val="tx1"/>
+          </a:fontRef>
+        </p:style>
+      </p:cxnSp>
+      <p:cxnSp>
+        <p:nvCxnSpPr>
+          <p:cNvPr id="46" name="직선 화살표 연결선 45"/>
+          <p:cNvCxnSpPr>
+            <a:endCxn id="5" idx="1"/>
+          </p:cNvCxnSpPr>
+          <p:nvPr/>
+        </p:nvCxnSpPr>
+        <p:spPr>
           <a:xfrm>
-            <a:off x="3825389" y="3938955"/>
-            <a:ext cx="725" cy="329709"/>
+            <a:off x="1712301" y="2058867"/>
+            <a:ext cx="166319" cy="4"/>
+          </a:xfrm>
+          <a:prstGeom prst="straightConnector1">
+            <a:avLst/>
+          </a:prstGeom>
+          <a:ln w="28575">
+            <a:solidFill>
+              <a:schemeClr val="tx1"/>
+            </a:solidFill>
+            <a:tailEnd type="arrow"/>
+          </a:ln>
+        </p:spPr>
+        <p:style>
+          <a:lnRef idx="1">
+            <a:schemeClr val="accent1"/>
+          </a:lnRef>
+          <a:fillRef idx="0">
+            <a:schemeClr val="accent1"/>
+          </a:fillRef>
+          <a:effectRef idx="0">
+            <a:schemeClr val="accent1"/>
+          </a:effectRef>
+          <a:fontRef idx="minor">
+            <a:schemeClr val="tx1"/>
+          </a:fontRef>
+        </p:style>
+      </p:cxnSp>
+      <p:cxnSp>
+        <p:nvCxnSpPr>
+          <p:cNvPr id="47" name="직선 화살표 연결선 46"/>
+          <p:cNvCxnSpPr>
+            <a:stCxn id="8" idx="2"/>
+          </p:cNvCxnSpPr>
+          <p:nvPr/>
+        </p:nvCxnSpPr>
+        <p:spPr>
+          <a:xfrm>
+            <a:off x="9743341" y="2794485"/>
+            <a:ext cx="0" cy="1299799"/>
+          </a:xfrm>
+          <a:prstGeom prst="straightConnector1">
+            <a:avLst/>
+          </a:prstGeom>
+          <a:ln w="28575">
+            <a:solidFill>
+              <a:schemeClr val="tx1"/>
+            </a:solidFill>
+            <a:headEnd type="none" w="med" len="med"/>
+            <a:tailEnd type="none" w="med" len="med"/>
+          </a:ln>
+        </p:spPr>
+        <p:style>
+          <a:lnRef idx="1">
+            <a:schemeClr val="accent1"/>
+          </a:lnRef>
+          <a:fillRef idx="0">
+            <a:schemeClr val="accent1"/>
+          </a:fillRef>
+          <a:effectRef idx="0">
+            <a:schemeClr val="accent1"/>
+          </a:effectRef>
+          <a:fontRef idx="minor">
+            <a:schemeClr val="tx1"/>
+          </a:fontRef>
+        </p:style>
+      </p:cxnSp>
+      <p:cxnSp>
+        <p:nvCxnSpPr>
+          <p:cNvPr id="48" name="직선 연결선 47"/>
+          <p:cNvCxnSpPr/>
+          <p:nvPr/>
+        </p:nvCxnSpPr>
+        <p:spPr>
+          <a:xfrm>
+            <a:off x="4048127" y="4094285"/>
+            <a:ext cx="5695213" cy="0"/>
+          </a:xfrm>
+          <a:prstGeom prst="line">
+            <a:avLst/>
+          </a:prstGeom>
+          <a:ln w="28575">
+            <a:solidFill>
+              <a:schemeClr val="tx1"/>
+            </a:solidFill>
+          </a:ln>
+        </p:spPr>
+        <p:style>
+          <a:lnRef idx="1">
+            <a:schemeClr val="accent1"/>
+          </a:lnRef>
+          <a:fillRef idx="0">
+            <a:schemeClr val="accent1"/>
+          </a:fillRef>
+          <a:effectRef idx="0">
+            <a:schemeClr val="accent1"/>
+          </a:effectRef>
+          <a:fontRef idx="minor">
+            <a:schemeClr val="tx1"/>
+          </a:fontRef>
+        </p:style>
+      </p:cxnSp>
+      <p:cxnSp>
+        <p:nvCxnSpPr>
+          <p:cNvPr id="49" name="직선 연결선 48"/>
+          <p:cNvCxnSpPr/>
+          <p:nvPr/>
+        </p:nvCxnSpPr>
+        <p:spPr>
+          <a:xfrm>
+            <a:off x="4048127" y="4097948"/>
+            <a:ext cx="0" cy="161925"/>
           </a:xfrm>
           <a:prstGeom prst="line">
             <a:avLst/>
@@ -4543,168 +5172,51 @@
           </a:fontRef>
         </p:style>
       </p:cxnSp>
-      <p:cxnSp>
-        <p:nvCxnSpPr>
-          <p:cNvPr id="48" name="직선 연결선 47"/>
-          <p:cNvCxnSpPr>
-            <a:stCxn id="6" idx="3"/>
-            <a:endCxn id="7" idx="1"/>
-          </p:cNvCxnSpPr>
+      <p:sp>
+        <p:nvSpPr>
+          <p:cNvPr id="50" name="TextBox 49"/>
+          <p:cNvSpPr txBox="1"/>
           <p:nvPr/>
-        </p:nvCxnSpPr>
-        <p:spPr>
-          <a:xfrm flipV="1">
-            <a:off x="5165478" y="2058869"/>
-            <a:ext cx="268166" cy="1"/>
-          </a:xfrm>
-          <a:prstGeom prst="line">
+        </p:nvSpPr>
+        <p:spPr>
+          <a:xfrm>
+            <a:off x="9364462" y="6057525"/>
+            <a:ext cx="1713931" cy="461665"/>
+          </a:xfrm>
+          <a:prstGeom prst="rect">
             <a:avLst/>
           </a:prstGeom>
-          <a:ln w="28575">
-            <a:solidFill>
-              <a:schemeClr val="tx1"/>
-            </a:solidFill>
-            <a:headEnd type="none" w="med" len="med"/>
-            <a:tailEnd type="arrow" w="med" len="med"/>
-          </a:ln>
-        </p:spPr>
-        <p:style>
-          <a:lnRef idx="1">
-            <a:schemeClr val="accent1"/>
-          </a:lnRef>
-          <a:fillRef idx="0">
-            <a:schemeClr val="accent1"/>
-          </a:fillRef>
-          <a:effectRef idx="0">
-            <a:schemeClr val="accent1"/>
-          </a:effectRef>
-          <a:fontRef idx="minor">
-            <a:schemeClr val="tx1"/>
-          </a:fontRef>
-        </p:style>
-      </p:cxnSp>
+          <a:noFill/>
+        </p:spPr>
+        <p:txBody>
+          <a:bodyPr wrap="none" rtlCol="0">
+            <a:spAutoFit/>
+          </a:bodyPr>
+          <a:lstStyle/>
+          <a:p>
+            <a:pPr algn="ctr"/>
+            <a:r>
+              <a:rPr lang="en-US" altLang="ko-KR" sz="2400" dirty="0" err="1" smtClean="0">
+                <a:latin typeface="Consolas" panose="020B0609020204030204" pitchFamily="49" charset="0"/>
+              </a:rPr>
+              <a:t>Testbench</a:t>
+            </a:r>
+            <a:endParaRPr lang="ko-KR" altLang="en-US" sz="2400" dirty="0">
+              <a:latin typeface="Consolas" panose="020B0609020204030204" pitchFamily="49" charset="0"/>
+            </a:endParaRPr>
+          </a:p>
+        </p:txBody>
+      </p:sp>
       <p:cxnSp>
         <p:nvCxnSpPr>
           <p:cNvPr id="51" name="직선 연결선 50"/>
-          <p:cNvCxnSpPr>
-            <a:stCxn id="7" idx="3"/>
-            <a:endCxn id="8" idx="1"/>
-          </p:cNvCxnSpPr>
-          <p:nvPr/>
-        </p:nvCxnSpPr>
-        <p:spPr>
-          <a:xfrm flipV="1">
-            <a:off x="6942990" y="2058868"/>
-            <a:ext cx="268166" cy="1"/>
-          </a:xfrm>
-          <a:prstGeom prst="line">
-            <a:avLst/>
-          </a:prstGeom>
-          <a:ln w="28575">
-            <a:solidFill>
-              <a:schemeClr val="tx1"/>
-            </a:solidFill>
-            <a:headEnd type="none" w="med" len="med"/>
-            <a:tailEnd type="arrow" w="med" len="med"/>
-          </a:ln>
-        </p:spPr>
-        <p:style>
-          <a:lnRef idx="1">
-            <a:schemeClr val="accent1"/>
-          </a:lnRef>
-          <a:fillRef idx="0">
-            <a:schemeClr val="accent1"/>
-          </a:fillRef>
-          <a:effectRef idx="0">
-            <a:schemeClr val="accent1"/>
-          </a:effectRef>
-          <a:fontRef idx="minor">
-            <a:schemeClr val="tx1"/>
-          </a:fontRef>
-        </p:style>
-      </p:cxnSp>
-      <p:cxnSp>
-        <p:nvCxnSpPr>
-          <p:cNvPr id="66" name="직선 연결선 65"/>
           <p:cNvCxnSpPr/>
           <p:nvPr/>
         </p:nvCxnSpPr>
         <p:spPr>
           <a:xfrm>
-            <a:off x="6054967" y="3335217"/>
-            <a:ext cx="0" cy="433021"/>
-          </a:xfrm>
-          <a:prstGeom prst="line">
-            <a:avLst/>
-          </a:prstGeom>
-          <a:ln w="28575">
-            <a:solidFill>
-              <a:schemeClr val="tx1"/>
-            </a:solidFill>
-            <a:headEnd type="arrow" w="med" len="med"/>
-            <a:tailEnd type="none" w="med" len="med"/>
-          </a:ln>
-        </p:spPr>
-        <p:style>
-          <a:lnRef idx="1">
-            <a:schemeClr val="accent1"/>
-          </a:lnRef>
-          <a:fillRef idx="0">
-            <a:schemeClr val="accent1"/>
-          </a:fillRef>
-          <a:effectRef idx="0">
-            <a:schemeClr val="accent1"/>
-          </a:effectRef>
-          <a:fontRef idx="minor">
-            <a:schemeClr val="tx1"/>
-          </a:fontRef>
-        </p:style>
-      </p:cxnSp>
-      <p:cxnSp>
-        <p:nvCxnSpPr>
-          <p:cNvPr id="70" name="직선 연결선 69"/>
-          <p:cNvCxnSpPr/>
-          <p:nvPr/>
-        </p:nvCxnSpPr>
-        <p:spPr>
-          <a:xfrm>
-            <a:off x="3598253" y="3768238"/>
-            <a:ext cx="2456714" cy="0"/>
-          </a:xfrm>
-          <a:prstGeom prst="line">
-            <a:avLst/>
-          </a:prstGeom>
-          <a:ln w="28575">
-            <a:solidFill>
-              <a:schemeClr val="tx1"/>
-            </a:solidFill>
-          </a:ln>
-        </p:spPr>
-        <p:style>
-          <a:lnRef idx="1">
-            <a:schemeClr val="accent1"/>
-          </a:lnRef>
-          <a:fillRef idx="0">
-            <a:schemeClr val="accent1"/>
-          </a:fillRef>
-          <a:effectRef idx="0">
-            <a:schemeClr val="accent1"/>
-          </a:effectRef>
-          <a:fontRef idx="minor">
-            <a:schemeClr val="tx1"/>
-          </a:fontRef>
-        </p:style>
-      </p:cxnSp>
-      <p:cxnSp>
-        <p:nvCxnSpPr>
-          <p:cNvPr id="73" name="직선 연결선 72"/>
-          <p:cNvCxnSpPr/>
-          <p:nvPr/>
-        </p:nvCxnSpPr>
-        <p:spPr>
-          <a:xfrm flipH="1" flipV="1">
-            <a:off x="3598253" y="3768239"/>
-            <a:ext cx="725" cy="500425"/>
+            <a:off x="1568200" y="688700"/>
+            <a:ext cx="7286385" cy="0"/>
           </a:xfrm>
           <a:prstGeom prst="line">
             <a:avLst/>
@@ -4734,235 +5246,14 @@
       </p:cxnSp>
       <p:cxnSp>
         <p:nvCxnSpPr>
-          <p:cNvPr id="81" name="직선 연결선 80"/>
+          <p:cNvPr id="52" name="직선 연결선 51"/>
           <p:cNvCxnSpPr/>
           <p:nvPr/>
         </p:nvCxnSpPr>
         <p:spPr>
           <a:xfrm>
-            <a:off x="8845799" y="2212732"/>
-            <a:ext cx="0" cy="843333"/>
-          </a:xfrm>
-          <a:prstGeom prst="line">
-            <a:avLst/>
-          </a:prstGeom>
-          <a:ln w="28575">
-            <a:solidFill>
-              <a:schemeClr val="tx1"/>
-            </a:solidFill>
-            <a:headEnd type="none" w="med" len="med"/>
-            <a:tailEnd type="none" w="med" len="med"/>
-          </a:ln>
-        </p:spPr>
-        <p:style>
-          <a:lnRef idx="1">
-            <a:schemeClr val="accent1"/>
-          </a:lnRef>
-          <a:fillRef idx="0">
-            <a:schemeClr val="accent1"/>
-          </a:fillRef>
-          <a:effectRef idx="0">
-            <a:schemeClr val="accent1"/>
-          </a:effectRef>
-          <a:fontRef idx="minor">
-            <a:schemeClr val="tx1"/>
-          </a:fontRef>
-        </p:style>
-      </p:cxnSp>
-      <p:cxnSp>
-        <p:nvCxnSpPr>
-          <p:cNvPr id="86" name="직선 연결선 85"/>
-          <p:cNvCxnSpPr/>
-          <p:nvPr/>
-        </p:nvCxnSpPr>
-        <p:spPr>
-          <a:xfrm>
-            <a:off x="8845431" y="2211268"/>
-            <a:ext cx="143237" cy="0"/>
-          </a:xfrm>
-          <a:prstGeom prst="line">
-            <a:avLst/>
-          </a:prstGeom>
-          <a:ln w="28575">
-            <a:solidFill>
-              <a:schemeClr val="tx1"/>
-            </a:solidFill>
-            <a:headEnd type="none" w="med" len="med"/>
-            <a:tailEnd type="arrow" w="med" len="med"/>
-          </a:ln>
-        </p:spPr>
-        <p:style>
-          <a:lnRef idx="1">
-            <a:schemeClr val="accent1"/>
-          </a:lnRef>
-          <a:fillRef idx="0">
-            <a:schemeClr val="accent1"/>
-          </a:fillRef>
-          <a:effectRef idx="0">
-            <a:schemeClr val="accent1"/>
-          </a:effectRef>
-          <a:fontRef idx="minor">
-            <a:schemeClr val="tx1"/>
-          </a:fontRef>
-        </p:style>
-      </p:cxnSp>
-      <p:cxnSp>
-        <p:nvCxnSpPr>
-          <p:cNvPr id="91" name="직선 연결선 90"/>
-          <p:cNvCxnSpPr/>
-          <p:nvPr/>
-        </p:nvCxnSpPr>
-        <p:spPr>
-          <a:xfrm>
-            <a:off x="6941522" y="2211268"/>
-            <a:ext cx="143237" cy="0"/>
-          </a:xfrm>
-          <a:prstGeom prst="line">
-            <a:avLst/>
-          </a:prstGeom>
-          <a:ln w="28575">
-            <a:solidFill>
-              <a:schemeClr val="tx1"/>
-            </a:solidFill>
-            <a:headEnd type="none" w="med" len="med"/>
-            <a:tailEnd type="none" w="med" len="med"/>
-          </a:ln>
-        </p:spPr>
-        <p:style>
-          <a:lnRef idx="1">
-            <a:schemeClr val="accent1"/>
-          </a:lnRef>
-          <a:fillRef idx="0">
-            <a:schemeClr val="accent1"/>
-          </a:fillRef>
-          <a:effectRef idx="0">
-            <a:schemeClr val="accent1"/>
-          </a:effectRef>
-          <a:fontRef idx="minor">
-            <a:schemeClr val="tx1"/>
-          </a:fontRef>
-        </p:style>
-      </p:cxnSp>
-      <p:cxnSp>
-        <p:nvCxnSpPr>
-          <p:cNvPr id="93" name="직선 연결선 92"/>
-          <p:cNvCxnSpPr/>
-          <p:nvPr/>
-        </p:nvCxnSpPr>
-        <p:spPr>
-          <a:xfrm>
-            <a:off x="7084759" y="2211268"/>
-            <a:ext cx="0" cy="843333"/>
-          </a:xfrm>
-          <a:prstGeom prst="line">
-            <a:avLst/>
-          </a:prstGeom>
-          <a:ln w="28575">
-            <a:solidFill>
-              <a:schemeClr val="tx1"/>
-            </a:solidFill>
-            <a:headEnd type="none" w="med" len="med"/>
-            <a:tailEnd type="none" w="med" len="med"/>
-          </a:ln>
-        </p:spPr>
-        <p:style>
-          <a:lnRef idx="1">
-            <a:schemeClr val="accent1"/>
-          </a:lnRef>
-          <a:fillRef idx="0">
-            <a:schemeClr val="accent1"/>
-          </a:fillRef>
-          <a:effectRef idx="0">
-            <a:schemeClr val="accent1"/>
-          </a:effectRef>
-          <a:fontRef idx="minor">
-            <a:schemeClr val="tx1"/>
-          </a:fontRef>
-        </p:style>
-      </p:cxnSp>
-      <p:cxnSp>
-        <p:nvCxnSpPr>
-          <p:cNvPr id="102" name="직선 화살표 연결선 101"/>
-          <p:cNvCxnSpPr/>
-          <p:nvPr/>
-        </p:nvCxnSpPr>
-        <p:spPr>
-          <a:xfrm>
-            <a:off x="8362951" y="2794485"/>
-            <a:ext cx="0" cy="2211262"/>
-          </a:xfrm>
-          <a:prstGeom prst="straightConnector1">
-            <a:avLst/>
-          </a:prstGeom>
-          <a:ln w="28575">
-            <a:solidFill>
-              <a:schemeClr val="tx1"/>
-            </a:solidFill>
-            <a:headEnd type="arrow" w="med" len="med"/>
-            <a:tailEnd type="arrow" w="med" len="med"/>
-          </a:ln>
-        </p:spPr>
-        <p:style>
-          <a:lnRef idx="1">
-            <a:schemeClr val="accent1"/>
-          </a:lnRef>
-          <a:fillRef idx="0">
-            <a:schemeClr val="accent1"/>
-          </a:fillRef>
-          <a:effectRef idx="0">
-            <a:schemeClr val="accent1"/>
-          </a:effectRef>
-          <a:fontRef idx="minor">
-            <a:schemeClr val="tx1"/>
-          </a:fontRef>
-        </p:style>
-      </p:cxnSp>
-      <p:cxnSp>
-        <p:nvCxnSpPr>
-          <p:cNvPr id="111" name="직선 연결선 110"/>
-          <p:cNvCxnSpPr/>
-          <p:nvPr/>
-        </p:nvCxnSpPr>
-        <p:spPr>
-          <a:xfrm>
-            <a:off x="6379551" y="3335217"/>
-            <a:ext cx="0" cy="265236"/>
-          </a:xfrm>
-          <a:prstGeom prst="line">
-            <a:avLst/>
-          </a:prstGeom>
-          <a:ln w="28575">
-            <a:solidFill>
-              <a:schemeClr val="tx1"/>
-            </a:solidFill>
-            <a:headEnd type="none"/>
-          </a:ln>
-        </p:spPr>
-        <p:style>
-          <a:lnRef idx="1">
-            <a:schemeClr val="accent1"/>
-          </a:lnRef>
-          <a:fillRef idx="0">
-            <a:schemeClr val="accent1"/>
-          </a:fillRef>
-          <a:effectRef idx="0">
-            <a:schemeClr val="accent1"/>
-          </a:effectRef>
-          <a:fontRef idx="minor">
-            <a:schemeClr val="tx1"/>
-          </a:fontRef>
-        </p:style>
-      </p:cxnSp>
-      <p:cxnSp>
-        <p:nvCxnSpPr>
-          <p:cNvPr id="114" name="직선 연결선 113"/>
-          <p:cNvCxnSpPr/>
-          <p:nvPr/>
-        </p:nvCxnSpPr>
-        <p:spPr>
-          <a:xfrm flipH="1">
-            <a:off x="1712303" y="3600453"/>
-            <a:ext cx="4676773" cy="0"/>
+            <a:off x="1568200" y="679114"/>
+            <a:ext cx="0" cy="796532"/>
           </a:xfrm>
           <a:prstGeom prst="line">
             <a:avLst/>
@@ -4988,300 +5279,9 @@
           </a:fontRef>
         </p:style>
       </p:cxnSp>
-      <p:cxnSp>
-        <p:nvCxnSpPr>
-          <p:cNvPr id="116" name="직선 연결선 115"/>
-          <p:cNvCxnSpPr/>
-          <p:nvPr/>
-        </p:nvCxnSpPr>
-        <p:spPr>
-          <a:xfrm flipV="1">
-            <a:off x="1712301" y="2058868"/>
-            <a:ext cx="0" cy="1541585"/>
-          </a:xfrm>
-          <a:prstGeom prst="line">
-            <a:avLst/>
-          </a:prstGeom>
-          <a:ln w="28575">
-            <a:solidFill>
-              <a:schemeClr val="tx1"/>
-            </a:solidFill>
-          </a:ln>
-        </p:spPr>
-        <p:style>
-          <a:lnRef idx="1">
-            <a:schemeClr val="accent1"/>
-          </a:lnRef>
-          <a:fillRef idx="0">
-            <a:schemeClr val="accent1"/>
-          </a:fillRef>
-          <a:effectRef idx="0">
-            <a:schemeClr val="accent1"/>
-          </a:effectRef>
-          <a:fontRef idx="minor">
-            <a:schemeClr val="tx1"/>
-          </a:fontRef>
-        </p:style>
-      </p:cxnSp>
-      <p:cxnSp>
-        <p:nvCxnSpPr>
-          <p:cNvPr id="118" name="직선 화살표 연결선 117"/>
-          <p:cNvCxnSpPr>
-            <a:endCxn id="5" idx="1"/>
-          </p:cNvCxnSpPr>
-          <p:nvPr/>
-        </p:nvCxnSpPr>
-        <p:spPr>
-          <a:xfrm>
-            <a:off x="1712301" y="2058867"/>
-            <a:ext cx="166319" cy="4"/>
-          </a:xfrm>
-          <a:prstGeom prst="straightConnector1">
-            <a:avLst/>
-          </a:prstGeom>
-          <a:ln w="28575">
-            <a:solidFill>
-              <a:schemeClr val="tx1"/>
-            </a:solidFill>
-            <a:tailEnd type="arrow"/>
-          </a:ln>
-        </p:spPr>
-        <p:style>
-          <a:lnRef idx="1">
-            <a:schemeClr val="accent1"/>
-          </a:lnRef>
-          <a:fillRef idx="0">
-            <a:schemeClr val="accent1"/>
-          </a:fillRef>
-          <a:effectRef idx="0">
-            <a:schemeClr val="accent1"/>
-          </a:effectRef>
-          <a:fontRef idx="minor">
-            <a:schemeClr val="tx1"/>
-          </a:fontRef>
-        </p:style>
-      </p:cxnSp>
-      <p:cxnSp>
-        <p:nvCxnSpPr>
-          <p:cNvPr id="129" name="직선 화살표 연결선 128"/>
-          <p:cNvCxnSpPr>
-            <a:stCxn id="9" idx="2"/>
-          </p:cNvCxnSpPr>
-          <p:nvPr/>
-        </p:nvCxnSpPr>
-        <p:spPr>
-          <a:xfrm>
-            <a:off x="9743341" y="2794485"/>
-            <a:ext cx="0" cy="1299799"/>
-          </a:xfrm>
-          <a:prstGeom prst="straightConnector1">
-            <a:avLst/>
-          </a:prstGeom>
-          <a:ln w="28575">
-            <a:solidFill>
-              <a:schemeClr val="tx1"/>
-            </a:solidFill>
-            <a:headEnd type="none" w="med" len="med"/>
-            <a:tailEnd type="none" w="med" len="med"/>
-          </a:ln>
-        </p:spPr>
-        <p:style>
-          <a:lnRef idx="1">
-            <a:schemeClr val="accent1"/>
-          </a:lnRef>
-          <a:fillRef idx="0">
-            <a:schemeClr val="accent1"/>
-          </a:fillRef>
-          <a:effectRef idx="0">
-            <a:schemeClr val="accent1"/>
-          </a:effectRef>
-          <a:fontRef idx="minor">
-            <a:schemeClr val="tx1"/>
-          </a:fontRef>
-        </p:style>
-      </p:cxnSp>
-      <p:cxnSp>
-        <p:nvCxnSpPr>
-          <p:cNvPr id="133" name="직선 연결선 132"/>
-          <p:cNvCxnSpPr/>
-          <p:nvPr/>
-        </p:nvCxnSpPr>
-        <p:spPr>
-          <a:xfrm>
-            <a:off x="4048127" y="4094285"/>
-            <a:ext cx="5695213" cy="0"/>
-          </a:xfrm>
-          <a:prstGeom prst="line">
-            <a:avLst/>
-          </a:prstGeom>
-          <a:ln w="28575">
-            <a:solidFill>
-              <a:schemeClr val="tx1"/>
-            </a:solidFill>
-          </a:ln>
-        </p:spPr>
-        <p:style>
-          <a:lnRef idx="1">
-            <a:schemeClr val="accent1"/>
-          </a:lnRef>
-          <a:fillRef idx="0">
-            <a:schemeClr val="accent1"/>
-          </a:fillRef>
-          <a:effectRef idx="0">
-            <a:schemeClr val="accent1"/>
-          </a:effectRef>
-          <a:fontRef idx="minor">
-            <a:schemeClr val="tx1"/>
-          </a:fontRef>
-        </p:style>
-      </p:cxnSp>
-      <p:cxnSp>
-        <p:nvCxnSpPr>
-          <p:cNvPr id="135" name="직선 연결선 134"/>
-          <p:cNvCxnSpPr/>
-          <p:nvPr/>
-        </p:nvCxnSpPr>
-        <p:spPr>
-          <a:xfrm>
-            <a:off x="4048127" y="4097948"/>
-            <a:ext cx="0" cy="161925"/>
-          </a:xfrm>
-          <a:prstGeom prst="line">
-            <a:avLst/>
-          </a:prstGeom>
-          <a:ln w="28575">
-            <a:solidFill>
-              <a:schemeClr val="tx1"/>
-            </a:solidFill>
-            <a:headEnd type="none" w="med" len="med"/>
-            <a:tailEnd type="arrow" w="med" len="med"/>
-          </a:ln>
-        </p:spPr>
-        <p:style>
-          <a:lnRef idx="1">
-            <a:schemeClr val="accent1"/>
-          </a:lnRef>
-          <a:fillRef idx="0">
-            <a:schemeClr val="accent1"/>
-          </a:fillRef>
-          <a:effectRef idx="0">
-            <a:schemeClr val="accent1"/>
-          </a:effectRef>
-          <a:fontRef idx="minor">
-            <a:schemeClr val="tx1"/>
-          </a:fontRef>
-        </p:style>
-      </p:cxnSp>
-      <p:sp>
-        <p:nvSpPr>
-          <p:cNvPr id="147" name="TextBox 146"/>
-          <p:cNvSpPr txBox="1"/>
-          <p:nvPr/>
-        </p:nvSpPr>
-        <p:spPr>
-          <a:xfrm>
-            <a:off x="9364462" y="6057525"/>
-            <a:ext cx="1713931" cy="461665"/>
-          </a:xfrm>
-          <a:prstGeom prst="rect">
-            <a:avLst/>
-          </a:prstGeom>
-          <a:noFill/>
-        </p:spPr>
-        <p:txBody>
-          <a:bodyPr wrap="none" rtlCol="0">
-            <a:spAutoFit/>
-          </a:bodyPr>
-          <a:lstStyle/>
-          <a:p>
-            <a:pPr algn="ctr"/>
-            <a:r>
-              <a:rPr lang="en-US" altLang="ko-KR" sz="2400" dirty="0" err="1" smtClean="0">
-                <a:latin typeface="Consolas" panose="020B0609020204030204" pitchFamily="49" charset="0"/>
-              </a:rPr>
-              <a:t>Testbench</a:t>
-            </a:r>
-            <a:endParaRPr lang="ko-KR" altLang="en-US" sz="2400" dirty="0">
-              <a:latin typeface="Consolas" panose="020B0609020204030204" pitchFamily="49" charset="0"/>
-            </a:endParaRPr>
-          </a:p>
-        </p:txBody>
-      </p:sp>
-      <p:cxnSp>
-        <p:nvCxnSpPr>
-          <p:cNvPr id="50" name="직선 연결선 49"/>
-          <p:cNvCxnSpPr/>
-          <p:nvPr/>
-        </p:nvCxnSpPr>
-        <p:spPr>
-          <a:xfrm>
-            <a:off x="1568200" y="688700"/>
-            <a:ext cx="7286385" cy="0"/>
-          </a:xfrm>
-          <a:prstGeom prst="line">
-            <a:avLst/>
-          </a:prstGeom>
-          <a:ln w="28575">
-            <a:solidFill>
-              <a:schemeClr val="tx1"/>
-            </a:solidFill>
-            <a:headEnd type="none" w="med" len="med"/>
-            <a:tailEnd type="none" w="med" len="med"/>
-          </a:ln>
-        </p:spPr>
-        <p:style>
-          <a:lnRef idx="1">
-            <a:schemeClr val="accent1"/>
-          </a:lnRef>
-          <a:fillRef idx="0">
-            <a:schemeClr val="accent1"/>
-          </a:fillRef>
-          <a:effectRef idx="0">
-            <a:schemeClr val="accent1"/>
-          </a:effectRef>
-          <a:fontRef idx="minor">
-            <a:schemeClr val="tx1"/>
-          </a:fontRef>
-        </p:style>
-      </p:cxnSp>
-      <p:cxnSp>
-        <p:nvCxnSpPr>
-          <p:cNvPr id="18" name="직선 연결선 17"/>
-          <p:cNvCxnSpPr/>
-          <p:nvPr/>
-        </p:nvCxnSpPr>
-        <p:spPr>
-          <a:xfrm>
-            <a:off x="1568200" y="679114"/>
-            <a:ext cx="0" cy="796532"/>
-          </a:xfrm>
-          <a:prstGeom prst="line">
-            <a:avLst/>
-          </a:prstGeom>
-          <a:ln w="28575">
-            <a:solidFill>
-              <a:schemeClr val="tx1"/>
-            </a:solidFill>
-          </a:ln>
-        </p:spPr>
-        <p:style>
-          <a:lnRef idx="1">
-            <a:schemeClr val="accent1"/>
-          </a:lnRef>
-          <a:fillRef idx="0">
-            <a:schemeClr val="accent1"/>
-          </a:fillRef>
-          <a:effectRef idx="0">
-            <a:schemeClr val="accent1"/>
-          </a:effectRef>
-          <a:fontRef idx="minor">
-            <a:schemeClr val="tx1"/>
-          </a:fontRef>
-        </p:style>
-      </p:cxnSp>
-      <p:sp>
-        <p:nvSpPr>
-          <p:cNvPr id="20" name="타원 19"/>
+      <p:sp>
+        <p:nvSpPr>
+          <p:cNvPr id="53" name="타원 52"/>
           <p:cNvSpPr/>
           <p:nvPr/>
         </p:nvSpPr>
@@ -5329,7 +5329,7 @@
       </p:sp>
       <p:cxnSp>
         <p:nvCxnSpPr>
-          <p:cNvPr id="59" name="직선 연결선 58"/>
+          <p:cNvPr id="54" name="직선 연결선 53"/>
           <p:cNvCxnSpPr/>
           <p:nvPr/>
         </p:nvCxnSpPr>
@@ -5366,7 +5366,7 @@
       </p:cxnSp>
       <p:cxnSp>
         <p:nvCxnSpPr>
-          <p:cNvPr id="61" name="직선 연결선 60"/>
+          <p:cNvPr id="55" name="직선 연결선 54"/>
           <p:cNvCxnSpPr/>
           <p:nvPr/>
         </p:nvCxnSpPr>
@@ -5403,7 +5403,7 @@
       </p:cxnSp>
       <p:sp>
         <p:nvSpPr>
-          <p:cNvPr id="63" name="타원 62"/>
+          <p:cNvPr id="56" name="타원 55"/>
           <p:cNvSpPr/>
           <p:nvPr/>
         </p:nvSpPr>
@@ -5451,7 +5451,7 @@
       </p:sp>
       <p:sp>
         <p:nvSpPr>
-          <p:cNvPr id="64" name="TextBox 63"/>
+          <p:cNvPr id="57" name="TextBox 56"/>
           <p:cNvSpPr txBox="1"/>
           <p:nvPr/>
         </p:nvSpPr>
@@ -5487,7 +5487,7 @@
     </p:spTree>
     <p:extLst>
       <p:ext uri="{BB962C8B-B14F-4D97-AF65-F5344CB8AC3E}">
-        <p14:creationId xmlns:p14="http://schemas.microsoft.com/office/powerpoint/2010/main" val="429840260"/>
+        <p14:creationId xmlns:p14="http://schemas.microsoft.com/office/powerpoint/2010/main" val="3218028885"/>
       </p:ext>
     </p:extLst>
   </p:cSld>
